--- a/Documents/Submitted Work/Deliverable - 0/SixGuys (Group 5) Final Presentation.pptx
+++ b/Documents/Submitted Work/Deliverable - 0/SixGuys (Group 5) Final Presentation.pptx
@@ -5,10 +5,10 @@
     <p:sldMasterId id="2147483648" r:id="rId4"/>
   </p:sldMasterIdLst>
   <p:notesMasterIdLst>
-    <p:notesMasterId r:id="rId25"/>
+    <p:notesMasterId r:id="rId28"/>
   </p:notesMasterIdLst>
   <p:handoutMasterIdLst>
-    <p:handoutMasterId r:id="rId26"/>
+    <p:handoutMasterId r:id="rId29"/>
   </p:handoutMasterIdLst>
   <p:sldIdLst>
     <p:sldId id="531" r:id="rId5"/>
@@ -17,20 +17,23 @@
     <p:sldId id="2446" r:id="rId8"/>
     <p:sldId id="2447" r:id="rId9"/>
     <p:sldId id="2448" r:id="rId10"/>
-    <p:sldId id="2449" r:id="rId11"/>
-    <p:sldId id="2450" r:id="rId12"/>
-    <p:sldId id="2451" r:id="rId13"/>
-    <p:sldId id="2452" r:id="rId14"/>
-    <p:sldId id="2453" r:id="rId15"/>
-    <p:sldId id="2454" r:id="rId16"/>
-    <p:sldId id="2441" r:id="rId17"/>
-    <p:sldId id="2442" r:id="rId18"/>
-    <p:sldId id="2443" r:id="rId19"/>
-    <p:sldId id="2444" r:id="rId20"/>
-    <p:sldId id="2455" r:id="rId21"/>
-    <p:sldId id="2456" r:id="rId22"/>
-    <p:sldId id="2457" r:id="rId23"/>
-    <p:sldId id="2445" r:id="rId24"/>
+    <p:sldId id="2458" r:id="rId11"/>
+    <p:sldId id="2459" r:id="rId12"/>
+    <p:sldId id="2460" r:id="rId13"/>
+    <p:sldId id="2449" r:id="rId14"/>
+    <p:sldId id="2450" r:id="rId15"/>
+    <p:sldId id="2451" r:id="rId16"/>
+    <p:sldId id="2452" r:id="rId17"/>
+    <p:sldId id="2453" r:id="rId18"/>
+    <p:sldId id="2454" r:id="rId19"/>
+    <p:sldId id="2441" r:id="rId20"/>
+    <p:sldId id="2442" r:id="rId21"/>
+    <p:sldId id="2443" r:id="rId22"/>
+    <p:sldId id="2444" r:id="rId23"/>
+    <p:sldId id="2455" r:id="rId24"/>
+    <p:sldId id="2456" r:id="rId25"/>
+    <p:sldId id="2457" r:id="rId26"/>
+    <p:sldId id="2445" r:id="rId27"/>
   </p:sldIdLst>
   <p:sldSz cx="12192000" cy="6858000"/>
   <p:notesSz cx="6858000" cy="9144000"/>
@@ -6350,7 +6353,7 @@
           </a:ln>
           <a:extLst>
             <a:ext uri="{C572A759-6A51-4108-AA02-DFA0A04FC94B}">
-              <ma14:wrappingTextBoxFlag xmlns:ma14="http://schemas.microsoft.com/office/mac/drawingml/2011/main" xmlns="" val="1"/>
+              <ma14:wrappingTextBoxFlag xmlns="" xmlns:ma14="http://schemas.microsoft.com/office/mac/drawingml/2011/main" val="1"/>
             </a:ext>
           </a:extLst>
         </p:spPr>
@@ -7209,7 +7212,7 @@
                   <a:srgbClr val="214221"/>
                 </a:solidFill>
               </a:rPr>
-              <a:t>Summary of Test Plan, Test Cases and Results</a:t>
+              <a:t>Domain Model and Detailed Design Diagrams</a:t>
             </a:r>
           </a:p>
         </p:txBody>
@@ -7298,7 +7301,7 @@
           <a:p>
             <a:r>
               <a:rPr lang="en-US" dirty="0"/>
-              <a:t>(2-4 slides)</a:t>
+              <a:t>(1-3 slides)</a:t>
             </a:r>
           </a:p>
         </p:txBody>
@@ -7306,7 +7309,7 @@
     </p:spTree>
     <p:extLst>
       <p:ext uri="{BB962C8B-B14F-4D97-AF65-F5344CB8AC3E}">
-        <p14:creationId xmlns:p14="http://schemas.microsoft.com/office/powerpoint/2010/main" val="3853452265"/>
+        <p14:creationId xmlns:p14="http://schemas.microsoft.com/office/powerpoint/2010/main" val="3918403429"/>
       </p:ext>
     </p:extLst>
   </p:cSld>
@@ -7366,7 +7369,7 @@
                   <a:srgbClr val="214221"/>
                 </a:solidFill>
               </a:rPr>
-              <a:t>Results of Focus Group &amp; Usability Study</a:t>
+              <a:t>Architecture Design and Design Patterns Used</a:t>
             </a:r>
           </a:p>
         </p:txBody>
@@ -7455,7 +7458,7 @@
           <a:p>
             <a:r>
               <a:rPr lang="en-US" dirty="0"/>
-              <a:t>(2-4 slides)</a:t>
+              <a:t>(2-3 slides)</a:t>
             </a:r>
           </a:p>
         </p:txBody>
@@ -7463,7 +7466,7 @@
     </p:spTree>
     <p:extLst>
       <p:ext uri="{BB962C8B-B14F-4D97-AF65-F5344CB8AC3E}">
-        <p14:creationId xmlns:p14="http://schemas.microsoft.com/office/powerpoint/2010/main" val="464188449"/>
+        <p14:creationId xmlns:p14="http://schemas.microsoft.com/office/powerpoint/2010/main" val="3653472643"/>
       </p:ext>
     </p:extLst>
   </p:cSld>
@@ -7523,6 +7526,477 @@
                   <a:srgbClr val="214221"/>
                 </a:solidFill>
               </a:rPr>
+              <a:t>Configuration Plans</a:t>
+            </a:r>
+          </a:p>
+        </p:txBody>
+      </p:sp>
+      <p:sp>
+        <p:nvSpPr>
+          <p:cNvPr id="9" name="TextBox 8">
+            <a:extLst>
+              <a:ext uri="{FF2B5EF4-FFF2-40B4-BE49-F238E27FC236}">
+                <a16:creationId xmlns:a16="http://schemas.microsoft.com/office/drawing/2014/main" id="{EE497A43-4B74-46CA-9B6B-5F77DAB9BACF}"/>
+              </a:ext>
+            </a:extLst>
+          </p:cNvPr>
+          <p:cNvSpPr txBox="1"/>
+          <p:nvPr/>
+        </p:nvSpPr>
+        <p:spPr>
+          <a:xfrm>
+            <a:off x="1420656" y="1287227"/>
+            <a:ext cx="10195756" cy="461665"/>
+          </a:xfrm>
+          <a:prstGeom prst="rect">
+            <a:avLst/>
+          </a:prstGeom>
+          <a:noFill/>
+        </p:spPr>
+        <p:txBody>
+          <a:bodyPr wrap="square" rtlCol="0">
+            <a:spAutoFit/>
+          </a:bodyPr>
+          <a:lstStyle/>
+          <a:p>
+            <a:pPr marL="342900" indent="-342900">
+              <a:spcAft>
+                <a:spcPts val="800"/>
+              </a:spcAft>
+              <a:buFont typeface="Courier New" panose="02070309020205020404" pitchFamily="49" charset="0"/>
+              <a:buChar char="o"/>
+            </a:pPr>
+            <a:r>
+              <a:rPr lang="en-US" sz="2400" dirty="0"/>
+              <a:t>x</a:t>
+            </a:r>
+          </a:p>
+        </p:txBody>
+      </p:sp>
+      <p:sp>
+        <p:nvSpPr>
+          <p:cNvPr id="4" name="TextBox 3">
+            <a:extLst>
+              <a:ext uri="{FF2B5EF4-FFF2-40B4-BE49-F238E27FC236}">
+                <a16:creationId xmlns:a16="http://schemas.microsoft.com/office/drawing/2014/main" id="{8C52B336-EF99-41EF-806D-B2AC51C7638F}"/>
+              </a:ext>
+            </a:extLst>
+          </p:cNvPr>
+          <p:cNvSpPr txBox="1"/>
+          <p:nvPr/>
+        </p:nvSpPr>
+        <p:spPr>
+          <a:xfrm>
+            <a:off x="9823509" y="892667"/>
+            <a:ext cx="2298584" cy="923330"/>
+          </a:xfrm>
+          <a:prstGeom prst="rect">
+            <a:avLst/>
+          </a:prstGeom>
+          <a:solidFill>
+            <a:srgbClr val="FFFF00"/>
+          </a:solidFill>
+        </p:spPr>
+        <p:txBody>
+          <a:bodyPr wrap="square" rtlCol="0">
+            <a:spAutoFit/>
+          </a:bodyPr>
+          <a:lstStyle/>
+          <a:p>
+            <a:r>
+              <a:rPr lang="en-US" u="sng" dirty="0"/>
+              <a:t>MUR (4/26)</a:t>
+            </a:r>
+            <a:r>
+              <a:rPr lang="en-US" dirty="0"/>
+              <a:t>: Need to update slide.</a:t>
+            </a:r>
+          </a:p>
+          <a:p>
+            <a:r>
+              <a:rPr lang="en-US" dirty="0"/>
+              <a:t>(1-2 slides)</a:t>
+            </a:r>
+          </a:p>
+        </p:txBody>
+      </p:sp>
+    </p:spTree>
+    <p:extLst>
+      <p:ext uri="{BB962C8B-B14F-4D97-AF65-F5344CB8AC3E}">
+        <p14:creationId xmlns:p14="http://schemas.microsoft.com/office/powerpoint/2010/main" val="2242087476"/>
+      </p:ext>
+    </p:extLst>
+  </p:cSld>
+  <p:clrMapOvr>
+    <a:masterClrMapping/>
+  </p:clrMapOvr>
+</p:sld>
+</file>
+
+<file path=ppt/slides/slide13.xml><?xml version="1.0" encoding="utf-8"?>
+<p:sld xmlns:a="http://schemas.openxmlformats.org/drawingml/2006/main" xmlns:r="http://schemas.openxmlformats.org/officeDocument/2006/relationships" xmlns:p="http://schemas.openxmlformats.org/presentationml/2006/main">
+  <p:cSld>
+    <p:spTree>
+      <p:nvGrpSpPr>
+        <p:cNvPr id="1" name=""/>
+        <p:cNvGrpSpPr/>
+        <p:nvPr/>
+      </p:nvGrpSpPr>
+      <p:grpSpPr>
+        <a:xfrm>
+          <a:off x="0" y="0"/>
+          <a:ext cx="0" cy="0"/>
+          <a:chOff x="0" y="0"/>
+          <a:chExt cx="0" cy="0"/>
+        </a:xfrm>
+      </p:grpSpPr>
+      <p:sp>
+        <p:nvSpPr>
+          <p:cNvPr id="5" name="Title 4">
+            <a:extLst>
+              <a:ext uri="{FF2B5EF4-FFF2-40B4-BE49-F238E27FC236}">
+                <a16:creationId xmlns:a16="http://schemas.microsoft.com/office/drawing/2014/main" id="{78CC151D-3E87-49F8-947C-F3CD2D5C3781}"/>
+              </a:ext>
+            </a:extLst>
+          </p:cNvPr>
+          <p:cNvSpPr>
+            <a:spLocks noGrp="1"/>
+          </p:cNvSpPr>
+          <p:nvPr>
+            <p:ph type="title"/>
+          </p:nvPr>
+        </p:nvSpPr>
+        <p:spPr>
+          <a:xfrm>
+            <a:off x="0" y="196224"/>
+            <a:ext cx="12192000" cy="704166"/>
+          </a:xfrm>
+        </p:spPr>
+        <p:txBody>
+          <a:bodyPr/>
+          <a:lstStyle/>
+          <a:p>
+            <a:pPr algn="ctr"/>
+            <a:r>
+              <a:rPr lang="en-US" sz="4000" b="1" dirty="0">
+                <a:solidFill>
+                  <a:srgbClr val="214221"/>
+                </a:solidFill>
+              </a:rPr>
+              <a:t>Summary of Test Plan, Test Cases and Results</a:t>
+            </a:r>
+          </a:p>
+        </p:txBody>
+      </p:sp>
+      <p:sp>
+        <p:nvSpPr>
+          <p:cNvPr id="9" name="TextBox 8">
+            <a:extLst>
+              <a:ext uri="{FF2B5EF4-FFF2-40B4-BE49-F238E27FC236}">
+                <a16:creationId xmlns:a16="http://schemas.microsoft.com/office/drawing/2014/main" id="{EE497A43-4B74-46CA-9B6B-5F77DAB9BACF}"/>
+              </a:ext>
+            </a:extLst>
+          </p:cNvPr>
+          <p:cNvSpPr txBox="1"/>
+          <p:nvPr/>
+        </p:nvSpPr>
+        <p:spPr>
+          <a:xfrm>
+            <a:off x="1420656" y="1287227"/>
+            <a:ext cx="10195756" cy="461665"/>
+          </a:xfrm>
+          <a:prstGeom prst="rect">
+            <a:avLst/>
+          </a:prstGeom>
+          <a:noFill/>
+        </p:spPr>
+        <p:txBody>
+          <a:bodyPr wrap="square" rtlCol="0">
+            <a:spAutoFit/>
+          </a:bodyPr>
+          <a:lstStyle/>
+          <a:p>
+            <a:pPr marL="342900" indent="-342900">
+              <a:spcAft>
+                <a:spcPts val="800"/>
+              </a:spcAft>
+              <a:buFont typeface="Courier New" panose="02070309020205020404" pitchFamily="49" charset="0"/>
+              <a:buChar char="o"/>
+            </a:pPr>
+            <a:r>
+              <a:rPr lang="en-US" sz="2400" dirty="0"/>
+              <a:t>x</a:t>
+            </a:r>
+          </a:p>
+        </p:txBody>
+      </p:sp>
+      <p:sp>
+        <p:nvSpPr>
+          <p:cNvPr id="4" name="TextBox 3">
+            <a:extLst>
+              <a:ext uri="{FF2B5EF4-FFF2-40B4-BE49-F238E27FC236}">
+                <a16:creationId xmlns:a16="http://schemas.microsoft.com/office/drawing/2014/main" id="{8C52B336-EF99-41EF-806D-B2AC51C7638F}"/>
+              </a:ext>
+            </a:extLst>
+          </p:cNvPr>
+          <p:cNvSpPr txBox="1"/>
+          <p:nvPr/>
+        </p:nvSpPr>
+        <p:spPr>
+          <a:xfrm>
+            <a:off x="9823509" y="892667"/>
+            <a:ext cx="2298584" cy="923330"/>
+          </a:xfrm>
+          <a:prstGeom prst="rect">
+            <a:avLst/>
+          </a:prstGeom>
+          <a:solidFill>
+            <a:srgbClr val="FFFF00"/>
+          </a:solidFill>
+        </p:spPr>
+        <p:txBody>
+          <a:bodyPr wrap="square" rtlCol="0">
+            <a:spAutoFit/>
+          </a:bodyPr>
+          <a:lstStyle/>
+          <a:p>
+            <a:r>
+              <a:rPr lang="en-US" u="sng" dirty="0"/>
+              <a:t>MUR (4/26)</a:t>
+            </a:r>
+            <a:r>
+              <a:rPr lang="en-US" dirty="0"/>
+              <a:t>: Need to update slide.</a:t>
+            </a:r>
+          </a:p>
+          <a:p>
+            <a:r>
+              <a:rPr lang="en-US" dirty="0"/>
+              <a:t>(2-4 slides)</a:t>
+            </a:r>
+          </a:p>
+        </p:txBody>
+      </p:sp>
+    </p:spTree>
+    <p:extLst>
+      <p:ext uri="{BB962C8B-B14F-4D97-AF65-F5344CB8AC3E}">
+        <p14:creationId xmlns:p14="http://schemas.microsoft.com/office/powerpoint/2010/main" val="3853452265"/>
+      </p:ext>
+    </p:extLst>
+  </p:cSld>
+  <p:clrMapOvr>
+    <a:masterClrMapping/>
+  </p:clrMapOvr>
+</p:sld>
+</file>
+
+<file path=ppt/slides/slide14.xml><?xml version="1.0" encoding="utf-8"?>
+<p:sld xmlns:a="http://schemas.openxmlformats.org/drawingml/2006/main" xmlns:r="http://schemas.openxmlformats.org/officeDocument/2006/relationships" xmlns:p="http://schemas.openxmlformats.org/presentationml/2006/main">
+  <p:cSld>
+    <p:spTree>
+      <p:nvGrpSpPr>
+        <p:cNvPr id="1" name=""/>
+        <p:cNvGrpSpPr/>
+        <p:nvPr/>
+      </p:nvGrpSpPr>
+      <p:grpSpPr>
+        <a:xfrm>
+          <a:off x="0" y="0"/>
+          <a:ext cx="0" cy="0"/>
+          <a:chOff x="0" y="0"/>
+          <a:chExt cx="0" cy="0"/>
+        </a:xfrm>
+      </p:grpSpPr>
+      <p:sp>
+        <p:nvSpPr>
+          <p:cNvPr id="5" name="Title 4">
+            <a:extLst>
+              <a:ext uri="{FF2B5EF4-FFF2-40B4-BE49-F238E27FC236}">
+                <a16:creationId xmlns:a16="http://schemas.microsoft.com/office/drawing/2014/main" id="{78CC151D-3E87-49F8-947C-F3CD2D5C3781}"/>
+              </a:ext>
+            </a:extLst>
+          </p:cNvPr>
+          <p:cNvSpPr>
+            <a:spLocks noGrp="1"/>
+          </p:cNvSpPr>
+          <p:nvPr>
+            <p:ph type="title"/>
+          </p:nvPr>
+        </p:nvSpPr>
+        <p:spPr>
+          <a:xfrm>
+            <a:off x="0" y="196224"/>
+            <a:ext cx="12192000" cy="704166"/>
+          </a:xfrm>
+        </p:spPr>
+        <p:txBody>
+          <a:bodyPr/>
+          <a:lstStyle/>
+          <a:p>
+            <a:pPr algn="ctr"/>
+            <a:r>
+              <a:rPr lang="en-US" sz="4000" b="1" dirty="0">
+                <a:solidFill>
+                  <a:srgbClr val="214221"/>
+                </a:solidFill>
+              </a:rPr>
+              <a:t>Results of Focus Group &amp; Usability Study</a:t>
+            </a:r>
+          </a:p>
+        </p:txBody>
+      </p:sp>
+      <p:sp>
+        <p:nvSpPr>
+          <p:cNvPr id="9" name="TextBox 8">
+            <a:extLst>
+              <a:ext uri="{FF2B5EF4-FFF2-40B4-BE49-F238E27FC236}">
+                <a16:creationId xmlns:a16="http://schemas.microsoft.com/office/drawing/2014/main" id="{EE497A43-4B74-46CA-9B6B-5F77DAB9BACF}"/>
+              </a:ext>
+            </a:extLst>
+          </p:cNvPr>
+          <p:cNvSpPr txBox="1"/>
+          <p:nvPr/>
+        </p:nvSpPr>
+        <p:spPr>
+          <a:xfrm>
+            <a:off x="1420656" y="1287227"/>
+            <a:ext cx="10195756" cy="461665"/>
+          </a:xfrm>
+          <a:prstGeom prst="rect">
+            <a:avLst/>
+          </a:prstGeom>
+          <a:noFill/>
+        </p:spPr>
+        <p:txBody>
+          <a:bodyPr wrap="square" rtlCol="0">
+            <a:spAutoFit/>
+          </a:bodyPr>
+          <a:lstStyle/>
+          <a:p>
+            <a:pPr marL="342900" indent="-342900">
+              <a:spcAft>
+                <a:spcPts val="800"/>
+              </a:spcAft>
+              <a:buFont typeface="Courier New" panose="02070309020205020404" pitchFamily="49" charset="0"/>
+              <a:buChar char="o"/>
+            </a:pPr>
+            <a:r>
+              <a:rPr lang="en-US" sz="2400" dirty="0"/>
+              <a:t>x</a:t>
+            </a:r>
+          </a:p>
+        </p:txBody>
+      </p:sp>
+      <p:sp>
+        <p:nvSpPr>
+          <p:cNvPr id="4" name="TextBox 3">
+            <a:extLst>
+              <a:ext uri="{FF2B5EF4-FFF2-40B4-BE49-F238E27FC236}">
+                <a16:creationId xmlns:a16="http://schemas.microsoft.com/office/drawing/2014/main" id="{8C52B336-EF99-41EF-806D-B2AC51C7638F}"/>
+              </a:ext>
+            </a:extLst>
+          </p:cNvPr>
+          <p:cNvSpPr txBox="1"/>
+          <p:nvPr/>
+        </p:nvSpPr>
+        <p:spPr>
+          <a:xfrm>
+            <a:off x="9823509" y="892667"/>
+            <a:ext cx="2298584" cy="923330"/>
+          </a:xfrm>
+          <a:prstGeom prst="rect">
+            <a:avLst/>
+          </a:prstGeom>
+          <a:solidFill>
+            <a:srgbClr val="FFFF00"/>
+          </a:solidFill>
+        </p:spPr>
+        <p:txBody>
+          <a:bodyPr wrap="square" rtlCol="0">
+            <a:spAutoFit/>
+          </a:bodyPr>
+          <a:lstStyle/>
+          <a:p>
+            <a:r>
+              <a:rPr lang="en-US" u="sng" dirty="0"/>
+              <a:t>MUR (4/26)</a:t>
+            </a:r>
+            <a:r>
+              <a:rPr lang="en-US" dirty="0"/>
+              <a:t>: Need to update slide.</a:t>
+            </a:r>
+          </a:p>
+          <a:p>
+            <a:r>
+              <a:rPr lang="en-US" dirty="0"/>
+              <a:t>(2-4 slides)</a:t>
+            </a:r>
+          </a:p>
+        </p:txBody>
+      </p:sp>
+    </p:spTree>
+    <p:extLst>
+      <p:ext uri="{BB962C8B-B14F-4D97-AF65-F5344CB8AC3E}">
+        <p14:creationId xmlns:p14="http://schemas.microsoft.com/office/powerpoint/2010/main" val="464188449"/>
+      </p:ext>
+    </p:extLst>
+  </p:cSld>
+  <p:clrMapOvr>
+    <a:masterClrMapping/>
+  </p:clrMapOvr>
+</p:sld>
+</file>
+
+<file path=ppt/slides/slide15.xml><?xml version="1.0" encoding="utf-8"?>
+<p:sld xmlns:a="http://schemas.openxmlformats.org/drawingml/2006/main" xmlns:r="http://schemas.openxmlformats.org/officeDocument/2006/relationships" xmlns:p="http://schemas.openxmlformats.org/presentationml/2006/main">
+  <p:cSld>
+    <p:spTree>
+      <p:nvGrpSpPr>
+        <p:cNvPr id="1" name=""/>
+        <p:cNvGrpSpPr/>
+        <p:nvPr/>
+      </p:nvGrpSpPr>
+      <p:grpSpPr>
+        <a:xfrm>
+          <a:off x="0" y="0"/>
+          <a:ext cx="0" cy="0"/>
+          <a:chOff x="0" y="0"/>
+          <a:chExt cx="0" cy="0"/>
+        </a:xfrm>
+      </p:grpSpPr>
+      <p:sp>
+        <p:nvSpPr>
+          <p:cNvPr id="5" name="Title 4">
+            <a:extLst>
+              <a:ext uri="{FF2B5EF4-FFF2-40B4-BE49-F238E27FC236}">
+                <a16:creationId xmlns:a16="http://schemas.microsoft.com/office/drawing/2014/main" id="{78CC151D-3E87-49F8-947C-F3CD2D5C3781}"/>
+              </a:ext>
+            </a:extLst>
+          </p:cNvPr>
+          <p:cNvSpPr>
+            <a:spLocks noGrp="1"/>
+          </p:cNvSpPr>
+          <p:nvPr>
+            <p:ph type="title"/>
+          </p:nvPr>
+        </p:nvSpPr>
+        <p:spPr>
+          <a:xfrm>
+            <a:off x="0" y="196224"/>
+            <a:ext cx="12192000" cy="704166"/>
+          </a:xfrm>
+        </p:spPr>
+        <p:txBody>
+          <a:bodyPr/>
+          <a:lstStyle/>
+          <a:p>
+            <a:pPr algn="ctr"/>
+            <a:r>
+              <a:rPr lang="en-US" sz="4000" b="1" dirty="0">
+                <a:solidFill>
+                  <a:srgbClr val="214221"/>
+                </a:solidFill>
+              </a:rPr>
               <a:t>Security and Privacy Concerns Addressed</a:t>
             </a:r>
           </a:p>
@@ -7630,7 +8104,7 @@
 </p:sld>
 </file>
 
-<file path=ppt/slides/slide13.xml><?xml version="1.0" encoding="utf-8"?>
+<file path=ppt/slides/slide16.xml><?xml version="1.0" encoding="utf-8"?>
 <p:sld xmlns:a="http://schemas.openxmlformats.org/drawingml/2006/main" xmlns:r="http://schemas.openxmlformats.org/officeDocument/2006/relationships" xmlns:p="http://schemas.openxmlformats.org/presentationml/2006/main">
   <p:cSld>
     <p:spTree>
@@ -7968,1302 +8442,6 @@
 </p:sld>
 </file>
 
-<file path=ppt/slides/slide14.xml><?xml version="1.0" encoding="utf-8"?>
-<p:sld xmlns:a="http://schemas.openxmlformats.org/drawingml/2006/main" xmlns:r="http://schemas.openxmlformats.org/officeDocument/2006/relationships" xmlns:p="http://schemas.openxmlformats.org/presentationml/2006/main">
-  <p:cSld>
-    <p:spTree>
-      <p:nvGrpSpPr>
-        <p:cNvPr id="1" name=""/>
-        <p:cNvGrpSpPr/>
-        <p:nvPr/>
-      </p:nvGrpSpPr>
-      <p:grpSpPr>
-        <a:xfrm>
-          <a:off x="0" y="0"/>
-          <a:ext cx="0" cy="0"/>
-          <a:chOff x="0" y="0"/>
-          <a:chExt cx="0" cy="0"/>
-        </a:xfrm>
-      </p:grpSpPr>
-      <p:sp>
-        <p:nvSpPr>
-          <p:cNvPr id="5" name="Title 4">
-            <a:extLst>
-              <a:ext uri="{FF2B5EF4-FFF2-40B4-BE49-F238E27FC236}">
-                <a16:creationId xmlns:a16="http://schemas.microsoft.com/office/drawing/2014/main" id="{78CC151D-3E87-49F8-947C-F3CD2D5C3781}"/>
-              </a:ext>
-            </a:extLst>
-          </p:cNvPr>
-          <p:cNvSpPr>
-            <a:spLocks noGrp="1"/>
-          </p:cNvSpPr>
-          <p:nvPr>
-            <p:ph type="title"/>
-          </p:nvPr>
-        </p:nvSpPr>
-        <p:spPr>
-          <a:xfrm>
-            <a:off x="0" y="196224"/>
-            <a:ext cx="12192000" cy="704166"/>
-          </a:xfrm>
-        </p:spPr>
-        <p:txBody>
-          <a:bodyPr/>
-          <a:lstStyle/>
-          <a:p>
-            <a:pPr algn="ctr"/>
-            <a:r>
-              <a:rPr lang="en-US" sz="4000" b="1" dirty="0">
-                <a:solidFill>
-                  <a:srgbClr val="214221"/>
-                </a:solidFill>
-              </a:rPr>
-              <a:t>Early Concept Art: Characters</a:t>
-            </a:r>
-          </a:p>
-        </p:txBody>
-      </p:sp>
-      <p:pic>
-        <p:nvPicPr>
-          <p:cNvPr id="2050" name="Picture 2">
-            <a:extLst>
-              <a:ext uri="{FF2B5EF4-FFF2-40B4-BE49-F238E27FC236}">
-                <a16:creationId xmlns:a16="http://schemas.microsoft.com/office/drawing/2014/main" id="{70237F21-115C-4253-AC43-BE56D2D29443}"/>
-              </a:ext>
-            </a:extLst>
-          </p:cNvPr>
-          <p:cNvPicPr>
-            <a:picLocks noChangeAspect="1" noChangeArrowheads="1"/>
-          </p:cNvPicPr>
-          <p:nvPr/>
-        </p:nvPicPr>
-        <p:blipFill>
-          <a:blip r:embed="rId2">
-            <a:extLst>
-              <a:ext uri="{28A0092B-C50C-407E-A947-70E740481C1C}">
-                <a14:useLocalDpi xmlns:a14="http://schemas.microsoft.com/office/drawing/2010/main" val="0"/>
-              </a:ext>
-            </a:extLst>
-          </a:blip>
-          <a:srcRect/>
-          <a:stretch>
-            <a:fillRect/>
-          </a:stretch>
-        </p:blipFill>
-        <p:spPr bwMode="auto">
-          <a:xfrm>
-            <a:off x="1553353" y="1743775"/>
-            <a:ext cx="2754395" cy="2632519"/>
-          </a:xfrm>
-          <a:prstGeom prst="rect">
-            <a:avLst/>
-          </a:prstGeom>
-          <a:noFill/>
-          <a:ln w="3175">
-            <a:solidFill>
-              <a:schemeClr val="tx1"/>
-            </a:solidFill>
-          </a:ln>
-          <a:extLst>
-            <a:ext uri="{909E8E84-426E-40DD-AFC4-6F175D3DCCD1}">
-              <a14:hiddenFill xmlns:a14="http://schemas.microsoft.com/office/drawing/2010/main">
-                <a:solidFill>
-                  <a:srgbClr val="FFFFFF"/>
-                </a:solidFill>
-              </a14:hiddenFill>
-            </a:ext>
-          </a:extLst>
-        </p:spPr>
-      </p:pic>
-      <p:pic>
-        <p:nvPicPr>
-          <p:cNvPr id="2052" name="Picture 4">
-            <a:extLst>
-              <a:ext uri="{FF2B5EF4-FFF2-40B4-BE49-F238E27FC236}">
-                <a16:creationId xmlns:a16="http://schemas.microsoft.com/office/drawing/2014/main" id="{140E81C0-6BD9-4BAD-A822-D7E82DA17793}"/>
-              </a:ext>
-            </a:extLst>
-          </p:cNvPr>
-          <p:cNvPicPr>
-            <a:picLocks noChangeAspect="1" noChangeArrowheads="1"/>
-          </p:cNvPicPr>
-          <p:nvPr/>
-        </p:nvPicPr>
-        <p:blipFill>
-          <a:blip r:embed="rId3">
-            <a:extLst>
-              <a:ext uri="{28A0092B-C50C-407E-A947-70E740481C1C}">
-                <a14:useLocalDpi xmlns:a14="http://schemas.microsoft.com/office/drawing/2010/main" val="0"/>
-              </a:ext>
-            </a:extLst>
-          </a:blip>
-          <a:srcRect/>
-          <a:stretch>
-            <a:fillRect/>
-          </a:stretch>
-        </p:blipFill>
-        <p:spPr bwMode="auto">
-          <a:xfrm>
-            <a:off x="8043784" y="1743774"/>
-            <a:ext cx="2948639" cy="2632519"/>
-          </a:xfrm>
-          <a:prstGeom prst="rect">
-            <a:avLst/>
-          </a:prstGeom>
-          <a:noFill/>
-          <a:ln w="3175">
-            <a:solidFill>
-              <a:schemeClr val="tx1"/>
-            </a:solidFill>
-          </a:ln>
-          <a:extLst>
-            <a:ext uri="{909E8E84-426E-40DD-AFC4-6F175D3DCCD1}">
-              <a14:hiddenFill xmlns:a14="http://schemas.microsoft.com/office/drawing/2010/main">
-                <a:solidFill>
-                  <a:srgbClr val="FFFFFF"/>
-                </a:solidFill>
-              </a14:hiddenFill>
-            </a:ext>
-          </a:extLst>
-        </p:spPr>
-      </p:pic>
-      <p:pic>
-        <p:nvPicPr>
-          <p:cNvPr id="2054" name="Picture 6">
-            <a:extLst>
-              <a:ext uri="{FF2B5EF4-FFF2-40B4-BE49-F238E27FC236}">
-                <a16:creationId xmlns:a16="http://schemas.microsoft.com/office/drawing/2014/main" id="{2AAF43E8-5F99-4E39-8193-ED06F44B2BAA}"/>
-              </a:ext>
-            </a:extLst>
-          </p:cNvPr>
-          <p:cNvPicPr>
-            <a:picLocks noChangeAspect="1" noChangeArrowheads="1"/>
-          </p:cNvPicPr>
-          <p:nvPr/>
-        </p:nvPicPr>
-        <p:blipFill>
-          <a:blip r:embed="rId4">
-            <a:extLst>
-              <a:ext uri="{28A0092B-C50C-407E-A947-70E740481C1C}">
-                <a14:useLocalDpi xmlns:a14="http://schemas.microsoft.com/office/drawing/2010/main" val="0"/>
-              </a:ext>
-            </a:extLst>
-          </a:blip>
-          <a:srcRect/>
-          <a:stretch>
-            <a:fillRect/>
-          </a:stretch>
-        </p:blipFill>
-        <p:spPr bwMode="auto">
-          <a:xfrm>
-            <a:off x="5285374" y="1788980"/>
-            <a:ext cx="1848872" cy="1327826"/>
-          </a:xfrm>
-          <a:prstGeom prst="rect">
-            <a:avLst/>
-          </a:prstGeom>
-          <a:noFill/>
-          <a:ln w="3175">
-            <a:solidFill>
-              <a:schemeClr val="tx1"/>
-            </a:solidFill>
-          </a:ln>
-          <a:extLst>
-            <a:ext uri="{909E8E84-426E-40DD-AFC4-6F175D3DCCD1}">
-              <a14:hiddenFill xmlns:a14="http://schemas.microsoft.com/office/drawing/2010/main">
-                <a:solidFill>
-                  <a:srgbClr val="FFFFFF"/>
-                </a:solidFill>
-              </a14:hiddenFill>
-            </a:ext>
-          </a:extLst>
-        </p:spPr>
-      </p:pic>
-      <p:pic>
-        <p:nvPicPr>
-          <p:cNvPr id="2056" name="Picture 8">
-            <a:extLst>
-              <a:ext uri="{FF2B5EF4-FFF2-40B4-BE49-F238E27FC236}">
-                <a16:creationId xmlns:a16="http://schemas.microsoft.com/office/drawing/2014/main" id="{78DF2D21-E354-435E-9CF3-27DA2FD8A0D3}"/>
-              </a:ext>
-            </a:extLst>
-          </p:cNvPr>
-          <p:cNvPicPr>
-            <a:picLocks noChangeAspect="1" noChangeArrowheads="1"/>
-          </p:cNvPicPr>
-          <p:nvPr/>
-        </p:nvPicPr>
-        <p:blipFill>
-          <a:blip r:embed="rId5">
-            <a:extLst>
-              <a:ext uri="{28A0092B-C50C-407E-A947-70E740481C1C}">
-                <a14:useLocalDpi xmlns:a14="http://schemas.microsoft.com/office/drawing/2010/main" val="0"/>
-              </a:ext>
-            </a:extLst>
-          </a:blip>
-          <a:srcRect/>
-          <a:stretch>
-            <a:fillRect/>
-          </a:stretch>
-        </p:blipFill>
-        <p:spPr bwMode="auto">
-          <a:xfrm>
-            <a:off x="5285374" y="3191913"/>
-            <a:ext cx="1848872" cy="1184380"/>
-          </a:xfrm>
-          <a:prstGeom prst="rect">
-            <a:avLst/>
-          </a:prstGeom>
-          <a:noFill/>
-          <a:ln w="3175">
-            <a:solidFill>
-              <a:schemeClr val="tx1"/>
-            </a:solidFill>
-          </a:ln>
-          <a:extLst>
-            <a:ext uri="{909E8E84-426E-40DD-AFC4-6F175D3DCCD1}">
-              <a14:hiddenFill xmlns:a14="http://schemas.microsoft.com/office/drawing/2010/main">
-                <a:solidFill>
-                  <a:srgbClr val="FFFFFF"/>
-                </a:solidFill>
-              </a14:hiddenFill>
-            </a:ext>
-          </a:extLst>
-        </p:spPr>
-      </p:pic>
-      <p:sp>
-        <p:nvSpPr>
-          <p:cNvPr id="8" name="TextBox 7">
-            <a:extLst>
-              <a:ext uri="{FF2B5EF4-FFF2-40B4-BE49-F238E27FC236}">
-                <a16:creationId xmlns:a16="http://schemas.microsoft.com/office/drawing/2014/main" id="{AEAB3263-74E9-4FCB-A25D-C102D9127BBE}"/>
-              </a:ext>
-            </a:extLst>
-          </p:cNvPr>
-          <p:cNvSpPr txBox="1"/>
-          <p:nvPr/>
-        </p:nvSpPr>
-        <p:spPr>
-          <a:xfrm>
-            <a:off x="1553354" y="4320836"/>
-            <a:ext cx="2754394" cy="830997"/>
-          </a:xfrm>
-          <a:prstGeom prst="rect">
-            <a:avLst/>
-          </a:prstGeom>
-          <a:noFill/>
-        </p:spPr>
-        <p:txBody>
-          <a:bodyPr wrap="square" rtlCol="0">
-            <a:spAutoFit/>
-          </a:bodyPr>
-          <a:lstStyle/>
-          <a:p>
-            <a:pPr algn="ctr"/>
-            <a:r>
-              <a:rPr lang="en-US" sz="2400" dirty="0"/>
-              <a:t>Main Character – needs to be named</a:t>
-            </a:r>
-          </a:p>
-        </p:txBody>
-      </p:sp>
-      <p:sp>
-        <p:nvSpPr>
-          <p:cNvPr id="10" name="TextBox 9">
-            <a:extLst>
-              <a:ext uri="{FF2B5EF4-FFF2-40B4-BE49-F238E27FC236}">
-                <a16:creationId xmlns:a16="http://schemas.microsoft.com/office/drawing/2014/main" id="{EF07200B-9844-49F0-B8F3-3A62F0ADCD59}"/>
-              </a:ext>
-            </a:extLst>
-          </p:cNvPr>
-          <p:cNvSpPr txBox="1"/>
-          <p:nvPr/>
-        </p:nvSpPr>
-        <p:spPr>
-          <a:xfrm>
-            <a:off x="7872482" y="4320836"/>
-            <a:ext cx="3311651" cy="830997"/>
-          </a:xfrm>
-          <a:prstGeom prst="rect">
-            <a:avLst/>
-          </a:prstGeom>
-          <a:noFill/>
-        </p:spPr>
-        <p:txBody>
-          <a:bodyPr wrap="square" rtlCol="0">
-            <a:spAutoFit/>
-          </a:bodyPr>
-          <a:lstStyle/>
-          <a:p>
-            <a:pPr algn="ctr"/>
-            <a:r>
-              <a:rPr lang="en-US" sz="2400" dirty="0"/>
-              <a:t>Hot Dawg Boss –Sausage link Nunchaku wielding</a:t>
-            </a:r>
-          </a:p>
-        </p:txBody>
-      </p:sp>
-      <p:sp>
-        <p:nvSpPr>
-          <p:cNvPr id="11" name="TextBox 10">
-            <a:extLst>
-              <a:ext uri="{FF2B5EF4-FFF2-40B4-BE49-F238E27FC236}">
-                <a16:creationId xmlns:a16="http://schemas.microsoft.com/office/drawing/2014/main" id="{B43E4A63-D5CA-49A5-9C78-06CDFD825F10}"/>
-              </a:ext>
-            </a:extLst>
-          </p:cNvPr>
-          <p:cNvSpPr txBox="1"/>
-          <p:nvPr/>
-        </p:nvSpPr>
-        <p:spPr>
-          <a:xfrm>
-            <a:off x="4832613" y="4376293"/>
-            <a:ext cx="2754394" cy="461665"/>
-          </a:xfrm>
-          <a:prstGeom prst="rect">
-            <a:avLst/>
-          </a:prstGeom>
-          <a:noFill/>
-        </p:spPr>
-        <p:txBody>
-          <a:bodyPr wrap="square" rtlCol="0">
-            <a:spAutoFit/>
-          </a:bodyPr>
-          <a:lstStyle/>
-          <a:p>
-            <a:pPr algn="ctr"/>
-            <a:r>
-              <a:rPr lang="en-US" sz="2400" dirty="0"/>
-              <a:t>Mouse NPC</a:t>
-            </a:r>
-          </a:p>
-        </p:txBody>
-      </p:sp>
-    </p:spTree>
-    <p:extLst>
-      <p:ext uri="{BB962C8B-B14F-4D97-AF65-F5344CB8AC3E}">
-        <p14:creationId xmlns:p14="http://schemas.microsoft.com/office/powerpoint/2010/main" val="1471209849"/>
-      </p:ext>
-    </p:extLst>
-  </p:cSld>
-  <p:clrMapOvr>
-    <a:masterClrMapping/>
-  </p:clrMapOvr>
-</p:sld>
-</file>
-
-<file path=ppt/slides/slide15.xml><?xml version="1.0" encoding="utf-8"?>
-<p:sld xmlns:a="http://schemas.openxmlformats.org/drawingml/2006/main" xmlns:r="http://schemas.openxmlformats.org/officeDocument/2006/relationships" xmlns:p="http://schemas.openxmlformats.org/presentationml/2006/main">
-  <p:cSld>
-    <p:spTree>
-      <p:nvGrpSpPr>
-        <p:cNvPr id="1" name=""/>
-        <p:cNvGrpSpPr/>
-        <p:nvPr/>
-      </p:nvGrpSpPr>
-      <p:grpSpPr>
-        <a:xfrm>
-          <a:off x="0" y="0"/>
-          <a:ext cx="0" cy="0"/>
-          <a:chOff x="0" y="0"/>
-          <a:chExt cx="0" cy="0"/>
-        </a:xfrm>
-      </p:grpSpPr>
-      <p:sp>
-        <p:nvSpPr>
-          <p:cNvPr id="5" name="Title 4">
-            <a:extLst>
-              <a:ext uri="{FF2B5EF4-FFF2-40B4-BE49-F238E27FC236}">
-                <a16:creationId xmlns:a16="http://schemas.microsoft.com/office/drawing/2014/main" id="{78CC151D-3E87-49F8-947C-F3CD2D5C3781}"/>
-              </a:ext>
-            </a:extLst>
-          </p:cNvPr>
-          <p:cNvSpPr>
-            <a:spLocks noGrp="1"/>
-          </p:cNvSpPr>
-          <p:nvPr>
-            <p:ph type="title"/>
-          </p:nvPr>
-        </p:nvSpPr>
-        <p:spPr>
-          <a:xfrm>
-            <a:off x="0" y="196224"/>
-            <a:ext cx="12192000" cy="704166"/>
-          </a:xfrm>
-        </p:spPr>
-        <p:txBody>
-          <a:bodyPr/>
-          <a:lstStyle/>
-          <a:p>
-            <a:pPr algn="ctr"/>
-            <a:r>
-              <a:rPr lang="en-US" sz="4000" b="1" dirty="0">
-                <a:solidFill>
-                  <a:srgbClr val="214221"/>
-                </a:solidFill>
-              </a:rPr>
-              <a:t>Early Concept Art: Throwable Items</a:t>
-            </a:r>
-          </a:p>
-        </p:txBody>
-      </p:sp>
-      <p:sp>
-        <p:nvSpPr>
-          <p:cNvPr id="8" name="TextBox 7">
-            <a:extLst>
-              <a:ext uri="{FF2B5EF4-FFF2-40B4-BE49-F238E27FC236}">
-                <a16:creationId xmlns:a16="http://schemas.microsoft.com/office/drawing/2014/main" id="{AEAB3263-74E9-4FCB-A25D-C102D9127BBE}"/>
-              </a:ext>
-            </a:extLst>
-          </p:cNvPr>
-          <p:cNvSpPr txBox="1"/>
-          <p:nvPr/>
-        </p:nvSpPr>
-        <p:spPr>
-          <a:xfrm>
-            <a:off x="1270323" y="4708194"/>
-            <a:ext cx="2754394" cy="738664"/>
-          </a:xfrm>
-          <a:prstGeom prst="rect">
-            <a:avLst/>
-          </a:prstGeom>
-          <a:noFill/>
-        </p:spPr>
-        <p:txBody>
-          <a:bodyPr wrap="square" rtlCol="0">
-            <a:spAutoFit/>
-          </a:bodyPr>
-          <a:lstStyle/>
-          <a:p>
-            <a:pPr algn="ctr"/>
-            <a:r>
-              <a:rPr lang="en-US" sz="2400" dirty="0"/>
-              <a:t>French Fries</a:t>
-            </a:r>
-          </a:p>
-          <a:p>
-            <a:pPr algn="ctr"/>
-            <a:r>
-              <a:rPr lang="en-US" dirty="0"/>
-              <a:t>Bottom: Fry-a-rang</a:t>
-            </a:r>
-            <a:endParaRPr lang="en-US" sz="2400" dirty="0"/>
-          </a:p>
-        </p:txBody>
-      </p:sp>
-      <p:sp>
-        <p:nvSpPr>
-          <p:cNvPr id="10" name="TextBox 9">
-            <a:extLst>
-              <a:ext uri="{FF2B5EF4-FFF2-40B4-BE49-F238E27FC236}">
-                <a16:creationId xmlns:a16="http://schemas.microsoft.com/office/drawing/2014/main" id="{EF07200B-9844-49F0-B8F3-3A62F0ADCD59}"/>
-              </a:ext>
-            </a:extLst>
-          </p:cNvPr>
-          <p:cNvSpPr txBox="1"/>
-          <p:nvPr/>
-        </p:nvSpPr>
-        <p:spPr>
-          <a:xfrm>
-            <a:off x="8517528" y="4980971"/>
-            <a:ext cx="2039743" cy="461665"/>
-          </a:xfrm>
-          <a:prstGeom prst="rect">
-            <a:avLst/>
-          </a:prstGeom>
-          <a:noFill/>
-        </p:spPr>
-        <p:txBody>
-          <a:bodyPr wrap="square" rtlCol="0">
-            <a:spAutoFit/>
-          </a:bodyPr>
-          <a:lstStyle/>
-          <a:p>
-            <a:pPr algn="ctr"/>
-            <a:r>
-              <a:rPr lang="en-US" sz="2400" dirty="0"/>
-              <a:t>Fountain Drink</a:t>
-            </a:r>
-          </a:p>
-        </p:txBody>
-      </p:sp>
-      <p:pic>
-        <p:nvPicPr>
-          <p:cNvPr id="3074" name="Picture 2">
-            <a:extLst>
-              <a:ext uri="{FF2B5EF4-FFF2-40B4-BE49-F238E27FC236}">
-                <a16:creationId xmlns:a16="http://schemas.microsoft.com/office/drawing/2014/main" id="{1D3F6A1E-29B3-4D0F-9D6F-D7222994FEA4}"/>
-              </a:ext>
-            </a:extLst>
-          </p:cNvPr>
-          <p:cNvPicPr>
-            <a:picLocks noChangeAspect="1" noChangeArrowheads="1"/>
-          </p:cNvPicPr>
-          <p:nvPr/>
-        </p:nvPicPr>
-        <p:blipFill>
-          <a:blip r:embed="rId2">
-            <a:extLst>
-              <a:ext uri="{28A0092B-C50C-407E-A947-70E740481C1C}">
-                <a14:useLocalDpi xmlns:a14="http://schemas.microsoft.com/office/drawing/2010/main" val="0"/>
-              </a:ext>
-            </a:extLst>
-          </a:blip>
-          <a:srcRect/>
-          <a:stretch>
-            <a:fillRect/>
-          </a:stretch>
-        </p:blipFill>
-        <p:spPr bwMode="auto">
-          <a:xfrm>
-            <a:off x="1553353" y="2553889"/>
-            <a:ext cx="2113853" cy="763512"/>
-          </a:xfrm>
-          <a:prstGeom prst="rect">
-            <a:avLst/>
-          </a:prstGeom>
-          <a:noFill/>
-          <a:ln w="3175">
-            <a:solidFill>
-              <a:schemeClr val="tx1"/>
-            </a:solidFill>
-          </a:ln>
-          <a:extLst>
-            <a:ext uri="{909E8E84-426E-40DD-AFC4-6F175D3DCCD1}">
-              <a14:hiddenFill xmlns:a14="http://schemas.microsoft.com/office/drawing/2010/main">
-                <a:solidFill>
-                  <a:srgbClr val="FFFFFF"/>
-                </a:solidFill>
-              </a14:hiddenFill>
-            </a:ext>
-          </a:extLst>
-        </p:spPr>
-      </p:pic>
-      <p:pic>
-        <p:nvPicPr>
-          <p:cNvPr id="3075" name="Picture 3">
-            <a:extLst>
-              <a:ext uri="{FF2B5EF4-FFF2-40B4-BE49-F238E27FC236}">
-                <a16:creationId xmlns:a16="http://schemas.microsoft.com/office/drawing/2014/main" id="{7C3B49ED-4DC0-483B-B973-2DF4F561775A}"/>
-              </a:ext>
-            </a:extLst>
-          </p:cNvPr>
-          <p:cNvPicPr>
-            <a:picLocks noChangeAspect="1" noChangeArrowheads="1"/>
-          </p:cNvPicPr>
-          <p:nvPr/>
-        </p:nvPicPr>
-        <p:blipFill>
-          <a:blip r:embed="rId3">
-            <a:extLst>
-              <a:ext uri="{28A0092B-C50C-407E-A947-70E740481C1C}">
-                <a14:useLocalDpi xmlns:a14="http://schemas.microsoft.com/office/drawing/2010/main" val="0"/>
-              </a:ext>
-            </a:extLst>
-          </a:blip>
-          <a:srcRect/>
-          <a:stretch>
-            <a:fillRect/>
-          </a:stretch>
-        </p:blipFill>
-        <p:spPr bwMode="auto">
-          <a:xfrm>
-            <a:off x="1553353" y="3420793"/>
-            <a:ext cx="2121121" cy="1290167"/>
-          </a:xfrm>
-          <a:prstGeom prst="rect">
-            <a:avLst/>
-          </a:prstGeom>
-          <a:noFill/>
-          <a:ln w="3175">
-            <a:solidFill>
-              <a:schemeClr val="tx1"/>
-            </a:solidFill>
-          </a:ln>
-          <a:extLst>
-            <a:ext uri="{909E8E84-426E-40DD-AFC4-6F175D3DCCD1}">
-              <a14:hiddenFill xmlns:a14="http://schemas.microsoft.com/office/drawing/2010/main">
-                <a:solidFill>
-                  <a:srgbClr val="FFFFFF"/>
-                </a:solidFill>
-              </a14:hiddenFill>
-            </a:ext>
-          </a:extLst>
-        </p:spPr>
-      </p:pic>
-      <p:pic>
-        <p:nvPicPr>
-          <p:cNvPr id="3076" name="Picture 4">
-            <a:extLst>
-              <a:ext uri="{FF2B5EF4-FFF2-40B4-BE49-F238E27FC236}">
-                <a16:creationId xmlns:a16="http://schemas.microsoft.com/office/drawing/2014/main" id="{F8240004-9C03-4B5B-BD3C-CA4D6E8FF5FC}"/>
-              </a:ext>
-            </a:extLst>
-          </p:cNvPr>
-          <p:cNvPicPr>
-            <a:picLocks noChangeAspect="1" noChangeArrowheads="1"/>
-          </p:cNvPicPr>
-          <p:nvPr/>
-        </p:nvPicPr>
-        <p:blipFill>
-          <a:blip r:embed="rId4">
-            <a:extLst>
-              <a:ext uri="{28A0092B-C50C-407E-A947-70E740481C1C}">
-                <a14:useLocalDpi xmlns:a14="http://schemas.microsoft.com/office/drawing/2010/main" val="0"/>
-              </a:ext>
-            </a:extLst>
-          </a:blip>
-          <a:srcRect/>
-          <a:stretch>
-            <a:fillRect/>
-          </a:stretch>
-        </p:blipFill>
-        <p:spPr bwMode="auto">
-          <a:xfrm>
-            <a:off x="1553353" y="1743775"/>
-            <a:ext cx="2121121" cy="706722"/>
-          </a:xfrm>
-          <a:prstGeom prst="rect">
-            <a:avLst/>
-          </a:prstGeom>
-          <a:noFill/>
-          <a:ln w="3175">
-            <a:solidFill>
-              <a:schemeClr val="tx1"/>
-            </a:solidFill>
-          </a:ln>
-          <a:extLst>
-            <a:ext uri="{909E8E84-426E-40DD-AFC4-6F175D3DCCD1}">
-              <a14:hiddenFill xmlns:a14="http://schemas.microsoft.com/office/drawing/2010/main">
-                <a:solidFill>
-                  <a:srgbClr val="FFFFFF"/>
-                </a:solidFill>
-              </a14:hiddenFill>
-            </a:ext>
-          </a:extLst>
-        </p:spPr>
-      </p:pic>
-      <p:pic>
-        <p:nvPicPr>
-          <p:cNvPr id="3078" name="Picture 6">
-            <a:extLst>
-              <a:ext uri="{FF2B5EF4-FFF2-40B4-BE49-F238E27FC236}">
-                <a16:creationId xmlns:a16="http://schemas.microsoft.com/office/drawing/2014/main" id="{67E9E277-6BFF-4AD2-878C-9A21ED137F38}"/>
-              </a:ext>
-            </a:extLst>
-          </p:cNvPr>
-          <p:cNvPicPr>
-            <a:picLocks noChangeAspect="1" noChangeArrowheads="1"/>
-          </p:cNvPicPr>
-          <p:nvPr/>
-        </p:nvPicPr>
-        <p:blipFill>
-          <a:blip r:embed="rId5">
-            <a:extLst>
-              <a:ext uri="{28A0092B-C50C-407E-A947-70E740481C1C}">
-                <a14:useLocalDpi xmlns:a14="http://schemas.microsoft.com/office/drawing/2010/main" val="0"/>
-              </a:ext>
-            </a:extLst>
-          </a:blip>
-          <a:srcRect/>
-          <a:stretch>
-            <a:fillRect/>
-          </a:stretch>
-        </p:blipFill>
-        <p:spPr bwMode="auto">
-          <a:xfrm>
-            <a:off x="8517528" y="1743775"/>
-            <a:ext cx="2039743" cy="3265849"/>
-          </a:xfrm>
-          <a:prstGeom prst="rect">
-            <a:avLst/>
-          </a:prstGeom>
-          <a:noFill/>
-          <a:ln w="3175">
-            <a:solidFill>
-              <a:schemeClr val="tx1"/>
-            </a:solidFill>
-          </a:ln>
-          <a:extLst>
-            <a:ext uri="{909E8E84-426E-40DD-AFC4-6F175D3DCCD1}">
-              <a14:hiddenFill xmlns:a14="http://schemas.microsoft.com/office/drawing/2010/main">
-                <a:solidFill>
-                  <a:srgbClr val="FFFFFF"/>
-                </a:solidFill>
-              </a14:hiddenFill>
-            </a:ext>
-          </a:extLst>
-        </p:spPr>
-      </p:pic>
-      <p:pic>
-        <p:nvPicPr>
-          <p:cNvPr id="3080" name="Picture 8">
-            <a:extLst>
-              <a:ext uri="{FF2B5EF4-FFF2-40B4-BE49-F238E27FC236}">
-                <a16:creationId xmlns:a16="http://schemas.microsoft.com/office/drawing/2014/main" id="{448DA36C-D060-490A-824F-57E901079E90}"/>
-              </a:ext>
-            </a:extLst>
-          </p:cNvPr>
-          <p:cNvPicPr>
-            <a:picLocks noChangeAspect="1" noChangeArrowheads="1"/>
-          </p:cNvPicPr>
-          <p:nvPr/>
-        </p:nvPicPr>
-        <p:blipFill>
-          <a:blip r:embed="rId6">
-            <a:extLst>
-              <a:ext uri="{28A0092B-C50C-407E-A947-70E740481C1C}">
-                <a14:useLocalDpi xmlns:a14="http://schemas.microsoft.com/office/drawing/2010/main" val="0"/>
-              </a:ext>
-            </a:extLst>
-          </a:blip>
-          <a:srcRect/>
-          <a:stretch>
-            <a:fillRect/>
-          </a:stretch>
-        </p:blipFill>
-        <p:spPr bwMode="auto">
-          <a:xfrm>
-            <a:off x="4684191" y="1743775"/>
-            <a:ext cx="1881721" cy="2109509"/>
-          </a:xfrm>
-          <a:prstGeom prst="rect">
-            <a:avLst/>
-          </a:prstGeom>
-          <a:noFill/>
-          <a:ln w="3175">
-            <a:solidFill>
-              <a:schemeClr val="tx1"/>
-            </a:solidFill>
-          </a:ln>
-          <a:extLst>
-            <a:ext uri="{909E8E84-426E-40DD-AFC4-6F175D3DCCD1}">
-              <a14:hiddenFill xmlns:a14="http://schemas.microsoft.com/office/drawing/2010/main">
-                <a:solidFill>
-                  <a:srgbClr val="FFFFFF"/>
-                </a:solidFill>
-              </a14:hiddenFill>
-            </a:ext>
-          </a:extLst>
-        </p:spPr>
-      </p:pic>
-      <p:pic>
-        <p:nvPicPr>
-          <p:cNvPr id="3081" name="Picture 9">
-            <a:extLst>
-              <a:ext uri="{FF2B5EF4-FFF2-40B4-BE49-F238E27FC236}">
-                <a16:creationId xmlns:a16="http://schemas.microsoft.com/office/drawing/2014/main" id="{571EB77B-0CB8-449D-BF20-588B2DB58685}"/>
-              </a:ext>
-            </a:extLst>
-          </p:cNvPr>
-          <p:cNvPicPr>
-            <a:picLocks noChangeAspect="1" noChangeArrowheads="1"/>
-          </p:cNvPicPr>
-          <p:nvPr/>
-        </p:nvPicPr>
-        <p:blipFill>
-          <a:blip r:embed="rId7">
-            <a:extLst>
-              <a:ext uri="{28A0092B-C50C-407E-A947-70E740481C1C}">
-                <a14:useLocalDpi xmlns:a14="http://schemas.microsoft.com/office/drawing/2010/main" val="0"/>
-              </a:ext>
-            </a:extLst>
-          </a:blip>
-          <a:srcRect/>
-          <a:stretch>
-            <a:fillRect/>
-          </a:stretch>
-        </p:blipFill>
-        <p:spPr bwMode="auto">
-          <a:xfrm>
-            <a:off x="6658756" y="1743775"/>
-            <a:ext cx="849055" cy="2109509"/>
-          </a:xfrm>
-          <a:prstGeom prst="rect">
-            <a:avLst/>
-          </a:prstGeom>
-          <a:noFill/>
-          <a:ln w="3175">
-            <a:solidFill>
-              <a:schemeClr val="tx1"/>
-            </a:solidFill>
-          </a:ln>
-          <a:extLst>
-            <a:ext uri="{909E8E84-426E-40DD-AFC4-6F175D3DCCD1}">
-              <a14:hiddenFill xmlns:a14="http://schemas.microsoft.com/office/drawing/2010/main">
-                <a:solidFill>
-                  <a:srgbClr val="FFFFFF"/>
-                </a:solidFill>
-              </a14:hiddenFill>
-            </a:ext>
-          </a:extLst>
-        </p:spPr>
-      </p:pic>
-      <p:sp>
-        <p:nvSpPr>
-          <p:cNvPr id="18" name="TextBox 17">
-            <a:extLst>
-              <a:ext uri="{FF2B5EF4-FFF2-40B4-BE49-F238E27FC236}">
-                <a16:creationId xmlns:a16="http://schemas.microsoft.com/office/drawing/2014/main" id="{4A514C06-A41F-435C-A36D-FB9BEBD3A5DF}"/>
-              </a:ext>
-            </a:extLst>
-          </p:cNvPr>
-          <p:cNvSpPr txBox="1"/>
-          <p:nvPr/>
-        </p:nvSpPr>
-        <p:spPr>
-          <a:xfrm>
-            <a:off x="4684190" y="3853284"/>
-            <a:ext cx="2823620" cy="461665"/>
-          </a:xfrm>
-          <a:prstGeom prst="rect">
-            <a:avLst/>
-          </a:prstGeom>
-          <a:noFill/>
-        </p:spPr>
-        <p:txBody>
-          <a:bodyPr wrap="square" rtlCol="0">
-            <a:spAutoFit/>
-          </a:bodyPr>
-          <a:lstStyle/>
-          <a:p>
-            <a:pPr algn="ctr"/>
-            <a:r>
-              <a:rPr lang="en-US" sz="2400" dirty="0"/>
-              <a:t>Lettuce</a:t>
-            </a:r>
-          </a:p>
-        </p:txBody>
-      </p:sp>
-    </p:spTree>
-    <p:extLst>
-      <p:ext uri="{BB962C8B-B14F-4D97-AF65-F5344CB8AC3E}">
-        <p14:creationId xmlns:p14="http://schemas.microsoft.com/office/powerpoint/2010/main" val="2799209890"/>
-      </p:ext>
-    </p:extLst>
-  </p:cSld>
-  <p:clrMapOvr>
-    <a:masterClrMapping/>
-  </p:clrMapOvr>
-</p:sld>
-</file>
-
-<file path=ppt/slides/slide16.xml><?xml version="1.0" encoding="utf-8"?>
-<p:sld xmlns:a="http://schemas.openxmlformats.org/drawingml/2006/main" xmlns:r="http://schemas.openxmlformats.org/officeDocument/2006/relationships" xmlns:p="http://schemas.openxmlformats.org/presentationml/2006/main">
-  <p:cSld>
-    <p:spTree>
-      <p:nvGrpSpPr>
-        <p:cNvPr id="1" name=""/>
-        <p:cNvGrpSpPr/>
-        <p:nvPr/>
-      </p:nvGrpSpPr>
-      <p:grpSpPr>
-        <a:xfrm>
-          <a:off x="0" y="0"/>
-          <a:ext cx="0" cy="0"/>
-          <a:chOff x="0" y="0"/>
-          <a:chExt cx="0" cy="0"/>
-        </a:xfrm>
-      </p:grpSpPr>
-      <p:pic>
-        <p:nvPicPr>
-          <p:cNvPr id="4100" name="Picture 4">
-            <a:extLst>
-              <a:ext uri="{FF2B5EF4-FFF2-40B4-BE49-F238E27FC236}">
-                <a16:creationId xmlns:a16="http://schemas.microsoft.com/office/drawing/2014/main" id="{60A07631-E121-45BD-B14D-7D6A2A91DC8F}"/>
-              </a:ext>
-            </a:extLst>
-          </p:cNvPr>
-          <p:cNvPicPr>
-            <a:picLocks noChangeAspect="1" noChangeArrowheads="1"/>
-          </p:cNvPicPr>
-          <p:nvPr/>
-        </p:nvPicPr>
-        <p:blipFill>
-          <a:blip r:embed="rId2">
-            <a:extLst>
-              <a:ext uri="{28A0092B-C50C-407E-A947-70E740481C1C}">
-                <a14:useLocalDpi xmlns:a14="http://schemas.microsoft.com/office/drawing/2010/main" val="0"/>
-              </a:ext>
-            </a:extLst>
-          </a:blip>
-          <a:srcRect/>
-          <a:stretch>
-            <a:fillRect/>
-          </a:stretch>
-        </p:blipFill>
-        <p:spPr bwMode="auto">
-          <a:xfrm>
-            <a:off x="3926769" y="1734806"/>
-            <a:ext cx="1788112" cy="1966238"/>
-          </a:xfrm>
-          <a:prstGeom prst="rect">
-            <a:avLst/>
-          </a:prstGeom>
-          <a:noFill/>
-          <a:ln w="3175">
-            <a:solidFill>
-              <a:schemeClr val="tx1"/>
-            </a:solidFill>
-          </a:ln>
-          <a:extLst>
-            <a:ext uri="{909E8E84-426E-40DD-AFC4-6F175D3DCCD1}">
-              <a14:hiddenFill xmlns:a14="http://schemas.microsoft.com/office/drawing/2010/main">
-                <a:solidFill>
-                  <a:srgbClr val="FFFFFF"/>
-                </a:solidFill>
-              </a14:hiddenFill>
-            </a:ext>
-          </a:extLst>
-        </p:spPr>
-      </p:pic>
-      <p:pic>
-        <p:nvPicPr>
-          <p:cNvPr id="4098" name="Picture 2">
-            <a:extLst>
-              <a:ext uri="{FF2B5EF4-FFF2-40B4-BE49-F238E27FC236}">
-                <a16:creationId xmlns:a16="http://schemas.microsoft.com/office/drawing/2014/main" id="{6ADA9F00-6EE3-4EC0-BEE6-E61B61998680}"/>
-              </a:ext>
-            </a:extLst>
-          </p:cNvPr>
-          <p:cNvPicPr>
-            <a:picLocks noChangeAspect="1" noChangeArrowheads="1"/>
-          </p:cNvPicPr>
-          <p:nvPr/>
-        </p:nvPicPr>
-        <p:blipFill>
-          <a:blip r:embed="rId3">
-            <a:extLst>
-              <a:ext uri="{28A0092B-C50C-407E-A947-70E740481C1C}">
-                <a14:useLocalDpi xmlns:a14="http://schemas.microsoft.com/office/drawing/2010/main" val="0"/>
-              </a:ext>
-            </a:extLst>
-          </a:blip>
-          <a:srcRect/>
-          <a:stretch>
-            <a:fillRect/>
-          </a:stretch>
-        </p:blipFill>
-        <p:spPr bwMode="auto">
-          <a:xfrm>
-            <a:off x="1553352" y="1730868"/>
-            <a:ext cx="1998287" cy="1974114"/>
-          </a:xfrm>
-          <a:prstGeom prst="rect">
-            <a:avLst/>
-          </a:prstGeom>
-          <a:noFill/>
-          <a:ln w="3175">
-            <a:solidFill>
-              <a:schemeClr val="tx1"/>
-            </a:solidFill>
-          </a:ln>
-          <a:extLst>
-            <a:ext uri="{909E8E84-426E-40DD-AFC4-6F175D3DCCD1}">
-              <a14:hiddenFill xmlns:a14="http://schemas.microsoft.com/office/drawing/2010/main">
-                <a:solidFill>
-                  <a:srgbClr val="FFFFFF"/>
-                </a:solidFill>
-              </a14:hiddenFill>
-            </a:ext>
-          </a:extLst>
-        </p:spPr>
-      </p:pic>
-      <p:sp>
-        <p:nvSpPr>
-          <p:cNvPr id="5" name="Title 4">
-            <a:extLst>
-              <a:ext uri="{FF2B5EF4-FFF2-40B4-BE49-F238E27FC236}">
-                <a16:creationId xmlns:a16="http://schemas.microsoft.com/office/drawing/2014/main" id="{78CC151D-3E87-49F8-947C-F3CD2D5C3781}"/>
-              </a:ext>
-            </a:extLst>
-          </p:cNvPr>
-          <p:cNvSpPr>
-            <a:spLocks noGrp="1"/>
-          </p:cNvSpPr>
-          <p:nvPr>
-            <p:ph type="title"/>
-          </p:nvPr>
-        </p:nvSpPr>
-        <p:spPr>
-          <a:xfrm>
-            <a:off x="0" y="196224"/>
-            <a:ext cx="12192000" cy="704166"/>
-          </a:xfrm>
-        </p:spPr>
-        <p:txBody>
-          <a:bodyPr/>
-          <a:lstStyle/>
-          <a:p>
-            <a:pPr algn="ctr"/>
-            <a:r>
-              <a:rPr lang="en-US" sz="4000" b="1" dirty="0">
-                <a:solidFill>
-                  <a:srgbClr val="214221"/>
-                </a:solidFill>
-              </a:rPr>
-              <a:t>Early Concept Art: Hazards</a:t>
-            </a:r>
-          </a:p>
-        </p:txBody>
-      </p:sp>
-      <p:sp>
-        <p:nvSpPr>
-          <p:cNvPr id="8" name="TextBox 7">
-            <a:extLst>
-              <a:ext uri="{FF2B5EF4-FFF2-40B4-BE49-F238E27FC236}">
-                <a16:creationId xmlns:a16="http://schemas.microsoft.com/office/drawing/2014/main" id="{AEAB3263-74E9-4FCB-A25D-C102D9127BBE}"/>
-              </a:ext>
-            </a:extLst>
-          </p:cNvPr>
-          <p:cNvSpPr txBox="1"/>
-          <p:nvPr/>
-        </p:nvSpPr>
-        <p:spPr>
-          <a:xfrm>
-            <a:off x="1553352" y="3727900"/>
-            <a:ext cx="1998287" cy="461665"/>
-          </a:xfrm>
-          <a:prstGeom prst="rect">
-            <a:avLst/>
-          </a:prstGeom>
-          <a:noFill/>
-        </p:spPr>
-        <p:txBody>
-          <a:bodyPr wrap="square" rtlCol="0">
-            <a:spAutoFit/>
-          </a:bodyPr>
-          <a:lstStyle/>
-          <a:p>
-            <a:pPr algn="ctr"/>
-            <a:r>
-              <a:rPr lang="en-US" sz="2400" dirty="0"/>
-              <a:t>Dropped Food</a:t>
-            </a:r>
-          </a:p>
-        </p:txBody>
-      </p:sp>
-      <p:sp>
-        <p:nvSpPr>
-          <p:cNvPr id="10" name="TextBox 9">
-            <a:extLst>
-              <a:ext uri="{FF2B5EF4-FFF2-40B4-BE49-F238E27FC236}">
-                <a16:creationId xmlns:a16="http://schemas.microsoft.com/office/drawing/2014/main" id="{EF07200B-9844-49F0-B8F3-3A62F0ADCD59}"/>
-              </a:ext>
-            </a:extLst>
-          </p:cNvPr>
-          <p:cNvSpPr txBox="1"/>
-          <p:nvPr/>
-        </p:nvSpPr>
-        <p:spPr>
-          <a:xfrm>
-            <a:off x="6760790" y="4564151"/>
-            <a:ext cx="4905374" cy="461665"/>
-          </a:xfrm>
-          <a:prstGeom prst="rect">
-            <a:avLst/>
-          </a:prstGeom>
-          <a:noFill/>
-        </p:spPr>
-        <p:txBody>
-          <a:bodyPr wrap="square" rtlCol="0">
-            <a:spAutoFit/>
-          </a:bodyPr>
-          <a:lstStyle/>
-          <a:p>
-            <a:pPr algn="ctr"/>
-            <a:r>
-              <a:rPr lang="en-US" sz="2400" dirty="0"/>
-              <a:t>Timed Jumps Across Kitchen Burners</a:t>
-            </a:r>
-          </a:p>
-        </p:txBody>
-      </p:sp>
-      <p:pic>
-        <p:nvPicPr>
-          <p:cNvPr id="4102" name="Picture 6">
-            <a:extLst>
-              <a:ext uri="{FF2B5EF4-FFF2-40B4-BE49-F238E27FC236}">
-                <a16:creationId xmlns:a16="http://schemas.microsoft.com/office/drawing/2014/main" id="{92EF1C66-9327-4129-9A38-23971C9C5D21}"/>
-              </a:ext>
-            </a:extLst>
-          </p:cNvPr>
-          <p:cNvPicPr>
-            <a:picLocks noChangeAspect="1" noChangeArrowheads="1"/>
-          </p:cNvPicPr>
-          <p:nvPr/>
-        </p:nvPicPr>
-        <p:blipFill rotWithShape="1">
-          <a:blip r:embed="rId4">
-            <a:extLst>
-              <a:ext uri="{28A0092B-C50C-407E-A947-70E740481C1C}">
-                <a14:useLocalDpi xmlns:a14="http://schemas.microsoft.com/office/drawing/2010/main" val="0"/>
-              </a:ext>
-            </a:extLst>
-          </a:blip>
-          <a:srcRect r="547"/>
-          <a:stretch/>
-        </p:blipFill>
-        <p:spPr bwMode="auto">
-          <a:xfrm>
-            <a:off x="6946031" y="1730868"/>
-            <a:ext cx="4534892" cy="2833283"/>
-          </a:xfrm>
-          <a:prstGeom prst="rect">
-            <a:avLst/>
-          </a:prstGeom>
-          <a:noFill/>
-          <a:ln w="3175">
-            <a:solidFill>
-              <a:schemeClr val="tx1"/>
-            </a:solidFill>
-          </a:ln>
-          <a:extLst>
-            <a:ext uri="{909E8E84-426E-40DD-AFC4-6F175D3DCCD1}">
-              <a14:hiddenFill xmlns:a14="http://schemas.microsoft.com/office/drawing/2010/main">
-                <a:solidFill>
-                  <a:srgbClr val="FFFFFF"/>
-                </a:solidFill>
-              </a14:hiddenFill>
-            </a:ext>
-          </a:extLst>
-        </p:spPr>
-      </p:pic>
-      <p:pic>
-        <p:nvPicPr>
-          <p:cNvPr id="4104" name="Picture 8">
-            <a:extLst>
-              <a:ext uri="{FF2B5EF4-FFF2-40B4-BE49-F238E27FC236}">
-                <a16:creationId xmlns:a16="http://schemas.microsoft.com/office/drawing/2014/main" id="{92E06DB4-5360-47B9-8BC0-678C91F3242C}"/>
-              </a:ext>
-            </a:extLst>
-          </p:cNvPr>
-          <p:cNvPicPr>
-            <a:picLocks noChangeAspect="1" noChangeArrowheads="1"/>
-          </p:cNvPicPr>
-          <p:nvPr/>
-        </p:nvPicPr>
-        <p:blipFill rotWithShape="1">
-          <a:blip r:embed="rId5">
-            <a:extLst>
-              <a:ext uri="{28A0092B-C50C-407E-A947-70E740481C1C}">
-                <a14:useLocalDpi xmlns:a14="http://schemas.microsoft.com/office/drawing/2010/main" val="0"/>
-              </a:ext>
-            </a:extLst>
-          </a:blip>
-          <a:srcRect t="759"/>
-          <a:stretch/>
-        </p:blipFill>
-        <p:spPr bwMode="auto">
-          <a:xfrm rot="16200000">
-            <a:off x="3075574" y="3016065"/>
-            <a:ext cx="1051222" cy="4227395"/>
-          </a:xfrm>
-          <a:prstGeom prst="rect">
-            <a:avLst/>
-          </a:prstGeom>
-          <a:noFill/>
-          <a:ln w="3175">
-            <a:solidFill>
-              <a:schemeClr val="tx1"/>
-            </a:solidFill>
-          </a:ln>
-          <a:extLst>
-            <a:ext uri="{909E8E84-426E-40DD-AFC4-6F175D3DCCD1}">
-              <a14:hiddenFill xmlns:a14="http://schemas.microsoft.com/office/drawing/2010/main">
-                <a:solidFill>
-                  <a:srgbClr val="FFFFFF"/>
-                </a:solidFill>
-              </a14:hiddenFill>
-            </a:ext>
-          </a:extLst>
-        </p:spPr>
-      </p:pic>
-      <p:sp>
-        <p:nvSpPr>
-          <p:cNvPr id="16" name="TextBox 15">
-            <a:extLst>
-              <a:ext uri="{FF2B5EF4-FFF2-40B4-BE49-F238E27FC236}">
-                <a16:creationId xmlns:a16="http://schemas.microsoft.com/office/drawing/2014/main" id="{6AB33C84-6B57-4F94-9379-4114ADA770A6}"/>
-              </a:ext>
-            </a:extLst>
-          </p:cNvPr>
-          <p:cNvSpPr txBox="1"/>
-          <p:nvPr/>
-        </p:nvSpPr>
-        <p:spPr>
-          <a:xfrm>
-            <a:off x="3791503" y="3722175"/>
-            <a:ext cx="1998287" cy="461665"/>
-          </a:xfrm>
-          <a:prstGeom prst="rect">
-            <a:avLst/>
-          </a:prstGeom>
-          <a:noFill/>
-        </p:spPr>
-        <p:txBody>
-          <a:bodyPr wrap="square" rtlCol="0">
-            <a:spAutoFit/>
-          </a:bodyPr>
-          <a:lstStyle/>
-          <a:p>
-            <a:pPr algn="ctr"/>
-            <a:r>
-              <a:rPr lang="en-US" sz="2400" dirty="0"/>
-              <a:t>Tomato Slices</a:t>
-            </a:r>
-          </a:p>
-        </p:txBody>
-      </p:sp>
-      <p:sp>
-        <p:nvSpPr>
-          <p:cNvPr id="17" name="TextBox 16">
-            <a:extLst>
-              <a:ext uri="{FF2B5EF4-FFF2-40B4-BE49-F238E27FC236}">
-                <a16:creationId xmlns:a16="http://schemas.microsoft.com/office/drawing/2014/main" id="{B895C175-CD1E-44AD-A3F9-F29EF63C5516}"/>
-              </a:ext>
-            </a:extLst>
-          </p:cNvPr>
-          <p:cNvSpPr txBox="1"/>
-          <p:nvPr/>
-        </p:nvSpPr>
-        <p:spPr>
-          <a:xfrm>
-            <a:off x="1455145" y="5655374"/>
-            <a:ext cx="4259735" cy="461665"/>
-          </a:xfrm>
-          <a:prstGeom prst="rect">
-            <a:avLst/>
-          </a:prstGeom>
-          <a:noFill/>
-        </p:spPr>
-        <p:txBody>
-          <a:bodyPr wrap="square" rtlCol="0">
-            <a:spAutoFit/>
-          </a:bodyPr>
-          <a:lstStyle/>
-          <a:p>
-            <a:pPr algn="ctr"/>
-            <a:r>
-              <a:rPr lang="en-US" sz="2400" dirty="0"/>
-              <a:t>Knives Being Used by Humans</a:t>
-            </a:r>
-          </a:p>
-        </p:txBody>
-      </p:sp>
-    </p:spTree>
-    <p:extLst>
-      <p:ext uri="{BB962C8B-B14F-4D97-AF65-F5344CB8AC3E}">
-        <p14:creationId xmlns:p14="http://schemas.microsoft.com/office/powerpoint/2010/main" val="3982801641"/>
-      </p:ext>
-    </p:extLst>
-  </p:cSld>
-  <p:clrMapOvr>
-    <a:masterClrMapping/>
-  </p:clrMapOvr>
-</p:sld>
-</file>
-
 <file path=ppt/slides/slide17.xml><?xml version="1.0" encoding="utf-8"?>
 <p:sld xmlns:a="http://schemas.openxmlformats.org/drawingml/2006/main" xmlns:r="http://schemas.openxmlformats.org/officeDocument/2006/relationships" xmlns:p="http://schemas.openxmlformats.org/presentationml/2006/main">
   <p:cSld>
@@ -9314,17 +8492,225 @@
                   <a:srgbClr val="214221"/>
                 </a:solidFill>
               </a:rPr>
-              <a:t>Breakdown of Level of Effort for Team Members</a:t>
-            </a:r>
-          </a:p>
-        </p:txBody>
-      </p:sp>
-      <p:sp>
-        <p:nvSpPr>
-          <p:cNvPr id="9" name="TextBox 8">
-            <a:extLst>
-              <a:ext uri="{FF2B5EF4-FFF2-40B4-BE49-F238E27FC236}">
-                <a16:creationId xmlns:a16="http://schemas.microsoft.com/office/drawing/2014/main" id="{EE497A43-4B74-46CA-9B6B-5F77DAB9BACF}"/>
+              <a:t>Early Concept Art: Characters</a:t>
+            </a:r>
+          </a:p>
+        </p:txBody>
+      </p:sp>
+      <p:pic>
+        <p:nvPicPr>
+          <p:cNvPr id="2050" name="Picture 2">
+            <a:extLst>
+              <a:ext uri="{FF2B5EF4-FFF2-40B4-BE49-F238E27FC236}">
+                <a16:creationId xmlns:a16="http://schemas.microsoft.com/office/drawing/2014/main" id="{70237F21-115C-4253-AC43-BE56D2D29443}"/>
+              </a:ext>
+            </a:extLst>
+          </p:cNvPr>
+          <p:cNvPicPr>
+            <a:picLocks noChangeAspect="1" noChangeArrowheads="1"/>
+          </p:cNvPicPr>
+          <p:nvPr/>
+        </p:nvPicPr>
+        <p:blipFill>
+          <a:blip r:embed="rId2">
+            <a:extLst>
+              <a:ext uri="{28A0092B-C50C-407E-A947-70E740481C1C}">
+                <a14:useLocalDpi xmlns:a14="http://schemas.microsoft.com/office/drawing/2010/main" val="0"/>
+              </a:ext>
+            </a:extLst>
+          </a:blip>
+          <a:srcRect/>
+          <a:stretch>
+            <a:fillRect/>
+          </a:stretch>
+        </p:blipFill>
+        <p:spPr bwMode="auto">
+          <a:xfrm>
+            <a:off x="1553353" y="1743775"/>
+            <a:ext cx="2754395" cy="2632519"/>
+          </a:xfrm>
+          <a:prstGeom prst="rect">
+            <a:avLst/>
+          </a:prstGeom>
+          <a:noFill/>
+          <a:ln w="3175">
+            <a:solidFill>
+              <a:schemeClr val="tx1"/>
+            </a:solidFill>
+          </a:ln>
+          <a:extLst>
+            <a:ext uri="{909E8E84-426E-40DD-AFC4-6F175D3DCCD1}">
+              <a14:hiddenFill xmlns:a14="http://schemas.microsoft.com/office/drawing/2010/main">
+                <a:solidFill>
+                  <a:srgbClr val="FFFFFF"/>
+                </a:solidFill>
+              </a14:hiddenFill>
+            </a:ext>
+          </a:extLst>
+        </p:spPr>
+      </p:pic>
+      <p:pic>
+        <p:nvPicPr>
+          <p:cNvPr id="2052" name="Picture 4">
+            <a:extLst>
+              <a:ext uri="{FF2B5EF4-FFF2-40B4-BE49-F238E27FC236}">
+                <a16:creationId xmlns:a16="http://schemas.microsoft.com/office/drawing/2014/main" id="{140E81C0-6BD9-4BAD-A822-D7E82DA17793}"/>
+              </a:ext>
+            </a:extLst>
+          </p:cNvPr>
+          <p:cNvPicPr>
+            <a:picLocks noChangeAspect="1" noChangeArrowheads="1"/>
+          </p:cNvPicPr>
+          <p:nvPr/>
+        </p:nvPicPr>
+        <p:blipFill>
+          <a:blip r:embed="rId3">
+            <a:extLst>
+              <a:ext uri="{28A0092B-C50C-407E-A947-70E740481C1C}">
+                <a14:useLocalDpi xmlns:a14="http://schemas.microsoft.com/office/drawing/2010/main" val="0"/>
+              </a:ext>
+            </a:extLst>
+          </a:blip>
+          <a:srcRect/>
+          <a:stretch>
+            <a:fillRect/>
+          </a:stretch>
+        </p:blipFill>
+        <p:spPr bwMode="auto">
+          <a:xfrm>
+            <a:off x="8043784" y="1743774"/>
+            <a:ext cx="2948639" cy="2632519"/>
+          </a:xfrm>
+          <a:prstGeom prst="rect">
+            <a:avLst/>
+          </a:prstGeom>
+          <a:noFill/>
+          <a:ln w="3175">
+            <a:solidFill>
+              <a:schemeClr val="tx1"/>
+            </a:solidFill>
+          </a:ln>
+          <a:extLst>
+            <a:ext uri="{909E8E84-426E-40DD-AFC4-6F175D3DCCD1}">
+              <a14:hiddenFill xmlns:a14="http://schemas.microsoft.com/office/drawing/2010/main">
+                <a:solidFill>
+                  <a:srgbClr val="FFFFFF"/>
+                </a:solidFill>
+              </a14:hiddenFill>
+            </a:ext>
+          </a:extLst>
+        </p:spPr>
+      </p:pic>
+      <p:pic>
+        <p:nvPicPr>
+          <p:cNvPr id="2054" name="Picture 6">
+            <a:extLst>
+              <a:ext uri="{FF2B5EF4-FFF2-40B4-BE49-F238E27FC236}">
+                <a16:creationId xmlns:a16="http://schemas.microsoft.com/office/drawing/2014/main" id="{2AAF43E8-5F99-4E39-8193-ED06F44B2BAA}"/>
+              </a:ext>
+            </a:extLst>
+          </p:cNvPr>
+          <p:cNvPicPr>
+            <a:picLocks noChangeAspect="1" noChangeArrowheads="1"/>
+          </p:cNvPicPr>
+          <p:nvPr/>
+        </p:nvPicPr>
+        <p:blipFill>
+          <a:blip r:embed="rId4">
+            <a:extLst>
+              <a:ext uri="{28A0092B-C50C-407E-A947-70E740481C1C}">
+                <a14:useLocalDpi xmlns:a14="http://schemas.microsoft.com/office/drawing/2010/main" val="0"/>
+              </a:ext>
+            </a:extLst>
+          </a:blip>
+          <a:srcRect/>
+          <a:stretch>
+            <a:fillRect/>
+          </a:stretch>
+        </p:blipFill>
+        <p:spPr bwMode="auto">
+          <a:xfrm>
+            <a:off x="5285374" y="1788980"/>
+            <a:ext cx="1848872" cy="1327826"/>
+          </a:xfrm>
+          <a:prstGeom prst="rect">
+            <a:avLst/>
+          </a:prstGeom>
+          <a:noFill/>
+          <a:ln w="3175">
+            <a:solidFill>
+              <a:schemeClr val="tx1"/>
+            </a:solidFill>
+          </a:ln>
+          <a:extLst>
+            <a:ext uri="{909E8E84-426E-40DD-AFC4-6F175D3DCCD1}">
+              <a14:hiddenFill xmlns:a14="http://schemas.microsoft.com/office/drawing/2010/main">
+                <a:solidFill>
+                  <a:srgbClr val="FFFFFF"/>
+                </a:solidFill>
+              </a14:hiddenFill>
+            </a:ext>
+          </a:extLst>
+        </p:spPr>
+      </p:pic>
+      <p:pic>
+        <p:nvPicPr>
+          <p:cNvPr id="2056" name="Picture 8">
+            <a:extLst>
+              <a:ext uri="{FF2B5EF4-FFF2-40B4-BE49-F238E27FC236}">
+                <a16:creationId xmlns:a16="http://schemas.microsoft.com/office/drawing/2014/main" id="{78DF2D21-E354-435E-9CF3-27DA2FD8A0D3}"/>
+              </a:ext>
+            </a:extLst>
+          </p:cNvPr>
+          <p:cNvPicPr>
+            <a:picLocks noChangeAspect="1" noChangeArrowheads="1"/>
+          </p:cNvPicPr>
+          <p:nvPr/>
+        </p:nvPicPr>
+        <p:blipFill>
+          <a:blip r:embed="rId5">
+            <a:extLst>
+              <a:ext uri="{28A0092B-C50C-407E-A947-70E740481C1C}">
+                <a14:useLocalDpi xmlns:a14="http://schemas.microsoft.com/office/drawing/2010/main" val="0"/>
+              </a:ext>
+            </a:extLst>
+          </a:blip>
+          <a:srcRect/>
+          <a:stretch>
+            <a:fillRect/>
+          </a:stretch>
+        </p:blipFill>
+        <p:spPr bwMode="auto">
+          <a:xfrm>
+            <a:off x="5285374" y="3191913"/>
+            <a:ext cx="1848872" cy="1184380"/>
+          </a:xfrm>
+          <a:prstGeom prst="rect">
+            <a:avLst/>
+          </a:prstGeom>
+          <a:noFill/>
+          <a:ln w="3175">
+            <a:solidFill>
+              <a:schemeClr val="tx1"/>
+            </a:solidFill>
+          </a:ln>
+          <a:extLst>
+            <a:ext uri="{909E8E84-426E-40DD-AFC4-6F175D3DCCD1}">
+              <a14:hiddenFill xmlns:a14="http://schemas.microsoft.com/office/drawing/2010/main">
+                <a:solidFill>
+                  <a:srgbClr val="FFFFFF"/>
+                </a:solidFill>
+              </a14:hiddenFill>
+            </a:ext>
+          </a:extLst>
+        </p:spPr>
+      </p:pic>
+      <p:sp>
+        <p:nvSpPr>
+          <p:cNvPr id="8" name="TextBox 7">
+            <a:extLst>
+              <a:ext uri="{FF2B5EF4-FFF2-40B4-BE49-F238E27FC236}">
+                <a16:creationId xmlns:a16="http://schemas.microsoft.com/office/drawing/2014/main" id="{AEAB3263-74E9-4FCB-A25D-C102D9127BBE}"/>
               </a:ext>
             </a:extLst>
           </p:cNvPr>
@@ -9333,8 +8719,8 @@
         </p:nvSpPr>
         <p:spPr>
           <a:xfrm>
-            <a:off x="1420656" y="1287227"/>
-            <a:ext cx="10195756" cy="461665"/>
+            <a:off x="1553354" y="4320836"/>
+            <a:ext cx="2754394" cy="830997"/>
           </a:xfrm>
           <a:prstGeom prst="rect">
             <a:avLst/>
@@ -9347,26 +8733,20 @@
           </a:bodyPr>
           <a:lstStyle/>
           <a:p>
-            <a:pPr marL="342900" indent="-342900">
-              <a:spcAft>
-                <a:spcPts val="800"/>
-              </a:spcAft>
-              <a:buFont typeface="Courier New" panose="02070309020205020404" pitchFamily="49" charset="0"/>
-              <a:buChar char="o"/>
-            </a:pPr>
+            <a:pPr algn="ctr"/>
             <a:r>
               <a:rPr lang="en-US" sz="2400" dirty="0"/>
-              <a:t>x</a:t>
-            </a:r>
-          </a:p>
-        </p:txBody>
-      </p:sp>
-      <p:sp>
-        <p:nvSpPr>
-          <p:cNvPr id="4" name="TextBox 3">
-            <a:extLst>
-              <a:ext uri="{FF2B5EF4-FFF2-40B4-BE49-F238E27FC236}">
-                <a16:creationId xmlns:a16="http://schemas.microsoft.com/office/drawing/2014/main" id="{8C52B336-EF99-41EF-806D-B2AC51C7638F}"/>
+              <a:t>Main Character – needs to be named</a:t>
+            </a:r>
+          </a:p>
+        </p:txBody>
+      </p:sp>
+      <p:sp>
+        <p:nvSpPr>
+          <p:cNvPr id="10" name="TextBox 9">
+            <a:extLst>
+              <a:ext uri="{FF2B5EF4-FFF2-40B4-BE49-F238E27FC236}">
+                <a16:creationId xmlns:a16="http://schemas.microsoft.com/office/drawing/2014/main" id="{EF07200B-9844-49F0-B8F3-3A62F0ADCD59}"/>
               </a:ext>
             </a:extLst>
           </p:cNvPr>
@@ -9375,15 +8755,13 @@
         </p:nvSpPr>
         <p:spPr>
           <a:xfrm>
-            <a:off x="9471171" y="892667"/>
-            <a:ext cx="2650922" cy="1477328"/>
+            <a:off x="7872482" y="4320836"/>
+            <a:ext cx="3311651" cy="830997"/>
           </a:xfrm>
           <a:prstGeom prst="rect">
             <a:avLst/>
           </a:prstGeom>
-          <a:solidFill>
-            <a:srgbClr val="FFFF00"/>
-          </a:solidFill>
+          <a:noFill/>
         </p:spPr>
         <p:txBody>
           <a:bodyPr wrap="square" rtlCol="0">
@@ -9391,19 +8769,46 @@
           </a:bodyPr>
           <a:lstStyle/>
           <a:p>
-            <a:r>
-              <a:rPr lang="en-US" u="sng" dirty="0"/>
-              <a:t>MUR (4/26)</a:t>
-            </a:r>
-            <a:r>
-              <a:rPr lang="en-US" dirty="0"/>
-              <a:t>: “Who did what and the percentage. A summary of the product backlog can be used.”</a:t>
-            </a:r>
-          </a:p>
-          <a:p>
-            <a:r>
-              <a:rPr lang="en-US" dirty="0"/>
-              <a:t>(1-2 slides)</a:t>
+            <a:pPr algn="ctr"/>
+            <a:r>
+              <a:rPr lang="en-US" sz="2400" dirty="0"/>
+              <a:t>Hot Dawg Boss –Sausage link Nunchaku wielding</a:t>
+            </a:r>
+          </a:p>
+        </p:txBody>
+      </p:sp>
+      <p:sp>
+        <p:nvSpPr>
+          <p:cNvPr id="11" name="TextBox 10">
+            <a:extLst>
+              <a:ext uri="{FF2B5EF4-FFF2-40B4-BE49-F238E27FC236}">
+                <a16:creationId xmlns:a16="http://schemas.microsoft.com/office/drawing/2014/main" id="{B43E4A63-D5CA-49A5-9C78-06CDFD825F10}"/>
+              </a:ext>
+            </a:extLst>
+          </p:cNvPr>
+          <p:cNvSpPr txBox="1"/>
+          <p:nvPr/>
+        </p:nvSpPr>
+        <p:spPr>
+          <a:xfrm>
+            <a:off x="4832613" y="4376293"/>
+            <a:ext cx="2754394" cy="461665"/>
+          </a:xfrm>
+          <a:prstGeom prst="rect">
+            <a:avLst/>
+          </a:prstGeom>
+          <a:noFill/>
+        </p:spPr>
+        <p:txBody>
+          <a:bodyPr wrap="square" rtlCol="0">
+            <a:spAutoFit/>
+          </a:bodyPr>
+          <a:lstStyle/>
+          <a:p>
+            <a:pPr algn="ctr"/>
+            <a:r>
+              <a:rPr lang="en-US" sz="2400" dirty="0"/>
+              <a:t>Mouse NPC</a:t>
             </a:r>
           </a:p>
         </p:txBody>
@@ -9411,7 +8816,7 @@
     </p:spTree>
     <p:extLst>
       <p:ext uri="{BB962C8B-B14F-4D97-AF65-F5344CB8AC3E}">
-        <p14:creationId xmlns:p14="http://schemas.microsoft.com/office/powerpoint/2010/main" val="2125231294"/>
+        <p14:creationId xmlns:p14="http://schemas.microsoft.com/office/powerpoint/2010/main" val="1471209849"/>
       </p:ext>
     </p:extLst>
   </p:cSld>
@@ -9471,17 +8876,17 @@
                   <a:srgbClr val="214221"/>
                 </a:solidFill>
               </a:rPr>
-              <a:t>Work Left on Burger Breakout</a:t>
-            </a:r>
-          </a:p>
-        </p:txBody>
-      </p:sp>
-      <p:sp>
-        <p:nvSpPr>
-          <p:cNvPr id="9" name="TextBox 8">
-            <a:extLst>
-              <a:ext uri="{FF2B5EF4-FFF2-40B4-BE49-F238E27FC236}">
-                <a16:creationId xmlns:a16="http://schemas.microsoft.com/office/drawing/2014/main" id="{EE497A43-4B74-46CA-9B6B-5F77DAB9BACF}"/>
+              <a:t>Early Concept Art: Throwable Items</a:t>
+            </a:r>
+          </a:p>
+        </p:txBody>
+      </p:sp>
+      <p:sp>
+        <p:nvSpPr>
+          <p:cNvPr id="8" name="TextBox 7">
+            <a:extLst>
+              <a:ext uri="{FF2B5EF4-FFF2-40B4-BE49-F238E27FC236}">
+                <a16:creationId xmlns:a16="http://schemas.microsoft.com/office/drawing/2014/main" id="{AEAB3263-74E9-4FCB-A25D-C102D9127BBE}"/>
               </a:ext>
             </a:extLst>
           </p:cNvPr>
@@ -9490,8 +8895,8 @@
         </p:nvSpPr>
         <p:spPr>
           <a:xfrm>
-            <a:off x="1420656" y="1287227"/>
-            <a:ext cx="10195756" cy="461665"/>
+            <a:off x="1270323" y="4708194"/>
+            <a:ext cx="2754394" cy="738664"/>
           </a:xfrm>
           <a:prstGeom prst="rect">
             <a:avLst/>
@@ -9504,26 +8909,28 @@
           </a:bodyPr>
           <a:lstStyle/>
           <a:p>
-            <a:pPr marL="342900" indent="-342900">
-              <a:spcAft>
-                <a:spcPts val="800"/>
-              </a:spcAft>
-              <a:buFont typeface="Courier New" panose="02070309020205020404" pitchFamily="49" charset="0"/>
-              <a:buChar char="o"/>
-            </a:pPr>
+            <a:pPr algn="ctr"/>
             <a:r>
               <a:rPr lang="en-US" sz="2400" dirty="0"/>
-              <a:t>x</a:t>
-            </a:r>
-          </a:p>
-        </p:txBody>
-      </p:sp>
-      <p:sp>
-        <p:nvSpPr>
-          <p:cNvPr id="4" name="TextBox 3">
-            <a:extLst>
-              <a:ext uri="{FF2B5EF4-FFF2-40B4-BE49-F238E27FC236}">
-                <a16:creationId xmlns:a16="http://schemas.microsoft.com/office/drawing/2014/main" id="{8C52B336-EF99-41EF-806D-B2AC51C7638F}"/>
+              <a:t>French Fries</a:t>
+            </a:r>
+          </a:p>
+          <a:p>
+            <a:pPr algn="ctr"/>
+            <a:r>
+              <a:rPr lang="en-US" dirty="0"/>
+              <a:t>Bottom: Fry-a-rang</a:t>
+            </a:r>
+            <a:endParaRPr lang="en-US" sz="2400" dirty="0"/>
+          </a:p>
+        </p:txBody>
+      </p:sp>
+      <p:sp>
+        <p:nvSpPr>
+          <p:cNvPr id="10" name="TextBox 9">
+            <a:extLst>
+              <a:ext uri="{FF2B5EF4-FFF2-40B4-BE49-F238E27FC236}">
+                <a16:creationId xmlns:a16="http://schemas.microsoft.com/office/drawing/2014/main" id="{EF07200B-9844-49F0-B8F3-3A62F0ADCD59}"/>
               </a:ext>
             </a:extLst>
           </p:cNvPr>
@@ -9532,15 +8939,13 @@
         </p:nvSpPr>
         <p:spPr>
           <a:xfrm>
-            <a:off x="9471171" y="892667"/>
-            <a:ext cx="2650922" cy="923330"/>
+            <a:off x="8517528" y="4980971"/>
+            <a:ext cx="2039743" cy="461665"/>
           </a:xfrm>
           <a:prstGeom prst="rect">
             <a:avLst/>
           </a:prstGeom>
-          <a:solidFill>
-            <a:srgbClr val="FFFF00"/>
-          </a:solidFill>
+          <a:noFill/>
         </p:spPr>
         <p:txBody>
           <a:bodyPr wrap="square" rtlCol="0">
@@ -9548,19 +8953,358 @@
           </a:bodyPr>
           <a:lstStyle/>
           <a:p>
-            <a:r>
-              <a:rPr lang="en-US" u="sng" dirty="0"/>
-              <a:t>MUR (4/26)</a:t>
-            </a:r>
-            <a:r>
-              <a:rPr lang="en-US" dirty="0"/>
-              <a:t>: Need to update slide.</a:t>
-            </a:r>
-          </a:p>
-          <a:p>
-            <a:r>
-              <a:rPr lang="en-US" dirty="0"/>
-              <a:t>(1-2 slides)</a:t>
+            <a:pPr algn="ctr"/>
+            <a:r>
+              <a:rPr lang="en-US" sz="2400" dirty="0"/>
+              <a:t>Fountain Drink</a:t>
+            </a:r>
+          </a:p>
+        </p:txBody>
+      </p:sp>
+      <p:pic>
+        <p:nvPicPr>
+          <p:cNvPr id="3074" name="Picture 2">
+            <a:extLst>
+              <a:ext uri="{FF2B5EF4-FFF2-40B4-BE49-F238E27FC236}">
+                <a16:creationId xmlns:a16="http://schemas.microsoft.com/office/drawing/2014/main" id="{1D3F6A1E-29B3-4D0F-9D6F-D7222994FEA4}"/>
+              </a:ext>
+            </a:extLst>
+          </p:cNvPr>
+          <p:cNvPicPr>
+            <a:picLocks noChangeAspect="1" noChangeArrowheads="1"/>
+          </p:cNvPicPr>
+          <p:nvPr/>
+        </p:nvPicPr>
+        <p:blipFill>
+          <a:blip r:embed="rId2">
+            <a:extLst>
+              <a:ext uri="{28A0092B-C50C-407E-A947-70E740481C1C}">
+                <a14:useLocalDpi xmlns:a14="http://schemas.microsoft.com/office/drawing/2010/main" val="0"/>
+              </a:ext>
+            </a:extLst>
+          </a:blip>
+          <a:srcRect/>
+          <a:stretch>
+            <a:fillRect/>
+          </a:stretch>
+        </p:blipFill>
+        <p:spPr bwMode="auto">
+          <a:xfrm>
+            <a:off x="1553353" y="2553889"/>
+            <a:ext cx="2113853" cy="763512"/>
+          </a:xfrm>
+          <a:prstGeom prst="rect">
+            <a:avLst/>
+          </a:prstGeom>
+          <a:noFill/>
+          <a:ln w="3175">
+            <a:solidFill>
+              <a:schemeClr val="tx1"/>
+            </a:solidFill>
+          </a:ln>
+          <a:extLst>
+            <a:ext uri="{909E8E84-426E-40DD-AFC4-6F175D3DCCD1}">
+              <a14:hiddenFill xmlns:a14="http://schemas.microsoft.com/office/drawing/2010/main">
+                <a:solidFill>
+                  <a:srgbClr val="FFFFFF"/>
+                </a:solidFill>
+              </a14:hiddenFill>
+            </a:ext>
+          </a:extLst>
+        </p:spPr>
+      </p:pic>
+      <p:pic>
+        <p:nvPicPr>
+          <p:cNvPr id="3075" name="Picture 3">
+            <a:extLst>
+              <a:ext uri="{FF2B5EF4-FFF2-40B4-BE49-F238E27FC236}">
+                <a16:creationId xmlns:a16="http://schemas.microsoft.com/office/drawing/2014/main" id="{7C3B49ED-4DC0-483B-B973-2DF4F561775A}"/>
+              </a:ext>
+            </a:extLst>
+          </p:cNvPr>
+          <p:cNvPicPr>
+            <a:picLocks noChangeAspect="1" noChangeArrowheads="1"/>
+          </p:cNvPicPr>
+          <p:nvPr/>
+        </p:nvPicPr>
+        <p:blipFill>
+          <a:blip r:embed="rId3">
+            <a:extLst>
+              <a:ext uri="{28A0092B-C50C-407E-A947-70E740481C1C}">
+                <a14:useLocalDpi xmlns:a14="http://schemas.microsoft.com/office/drawing/2010/main" val="0"/>
+              </a:ext>
+            </a:extLst>
+          </a:blip>
+          <a:srcRect/>
+          <a:stretch>
+            <a:fillRect/>
+          </a:stretch>
+        </p:blipFill>
+        <p:spPr bwMode="auto">
+          <a:xfrm>
+            <a:off x="1553353" y="3420793"/>
+            <a:ext cx="2121121" cy="1290167"/>
+          </a:xfrm>
+          <a:prstGeom prst="rect">
+            <a:avLst/>
+          </a:prstGeom>
+          <a:noFill/>
+          <a:ln w="3175">
+            <a:solidFill>
+              <a:schemeClr val="tx1"/>
+            </a:solidFill>
+          </a:ln>
+          <a:extLst>
+            <a:ext uri="{909E8E84-426E-40DD-AFC4-6F175D3DCCD1}">
+              <a14:hiddenFill xmlns:a14="http://schemas.microsoft.com/office/drawing/2010/main">
+                <a:solidFill>
+                  <a:srgbClr val="FFFFFF"/>
+                </a:solidFill>
+              </a14:hiddenFill>
+            </a:ext>
+          </a:extLst>
+        </p:spPr>
+      </p:pic>
+      <p:pic>
+        <p:nvPicPr>
+          <p:cNvPr id="3076" name="Picture 4">
+            <a:extLst>
+              <a:ext uri="{FF2B5EF4-FFF2-40B4-BE49-F238E27FC236}">
+                <a16:creationId xmlns:a16="http://schemas.microsoft.com/office/drawing/2014/main" id="{F8240004-9C03-4B5B-BD3C-CA4D6E8FF5FC}"/>
+              </a:ext>
+            </a:extLst>
+          </p:cNvPr>
+          <p:cNvPicPr>
+            <a:picLocks noChangeAspect="1" noChangeArrowheads="1"/>
+          </p:cNvPicPr>
+          <p:nvPr/>
+        </p:nvPicPr>
+        <p:blipFill>
+          <a:blip r:embed="rId4">
+            <a:extLst>
+              <a:ext uri="{28A0092B-C50C-407E-A947-70E740481C1C}">
+                <a14:useLocalDpi xmlns:a14="http://schemas.microsoft.com/office/drawing/2010/main" val="0"/>
+              </a:ext>
+            </a:extLst>
+          </a:blip>
+          <a:srcRect/>
+          <a:stretch>
+            <a:fillRect/>
+          </a:stretch>
+        </p:blipFill>
+        <p:spPr bwMode="auto">
+          <a:xfrm>
+            <a:off x="1553353" y="1743775"/>
+            <a:ext cx="2121121" cy="706722"/>
+          </a:xfrm>
+          <a:prstGeom prst="rect">
+            <a:avLst/>
+          </a:prstGeom>
+          <a:noFill/>
+          <a:ln w="3175">
+            <a:solidFill>
+              <a:schemeClr val="tx1"/>
+            </a:solidFill>
+          </a:ln>
+          <a:extLst>
+            <a:ext uri="{909E8E84-426E-40DD-AFC4-6F175D3DCCD1}">
+              <a14:hiddenFill xmlns:a14="http://schemas.microsoft.com/office/drawing/2010/main">
+                <a:solidFill>
+                  <a:srgbClr val="FFFFFF"/>
+                </a:solidFill>
+              </a14:hiddenFill>
+            </a:ext>
+          </a:extLst>
+        </p:spPr>
+      </p:pic>
+      <p:pic>
+        <p:nvPicPr>
+          <p:cNvPr id="3078" name="Picture 6">
+            <a:extLst>
+              <a:ext uri="{FF2B5EF4-FFF2-40B4-BE49-F238E27FC236}">
+                <a16:creationId xmlns:a16="http://schemas.microsoft.com/office/drawing/2014/main" id="{67E9E277-6BFF-4AD2-878C-9A21ED137F38}"/>
+              </a:ext>
+            </a:extLst>
+          </p:cNvPr>
+          <p:cNvPicPr>
+            <a:picLocks noChangeAspect="1" noChangeArrowheads="1"/>
+          </p:cNvPicPr>
+          <p:nvPr/>
+        </p:nvPicPr>
+        <p:blipFill>
+          <a:blip r:embed="rId5">
+            <a:extLst>
+              <a:ext uri="{28A0092B-C50C-407E-A947-70E740481C1C}">
+                <a14:useLocalDpi xmlns:a14="http://schemas.microsoft.com/office/drawing/2010/main" val="0"/>
+              </a:ext>
+            </a:extLst>
+          </a:blip>
+          <a:srcRect/>
+          <a:stretch>
+            <a:fillRect/>
+          </a:stretch>
+        </p:blipFill>
+        <p:spPr bwMode="auto">
+          <a:xfrm>
+            <a:off x="8517528" y="1743775"/>
+            <a:ext cx="2039743" cy="3265849"/>
+          </a:xfrm>
+          <a:prstGeom prst="rect">
+            <a:avLst/>
+          </a:prstGeom>
+          <a:noFill/>
+          <a:ln w="3175">
+            <a:solidFill>
+              <a:schemeClr val="tx1"/>
+            </a:solidFill>
+          </a:ln>
+          <a:extLst>
+            <a:ext uri="{909E8E84-426E-40DD-AFC4-6F175D3DCCD1}">
+              <a14:hiddenFill xmlns:a14="http://schemas.microsoft.com/office/drawing/2010/main">
+                <a:solidFill>
+                  <a:srgbClr val="FFFFFF"/>
+                </a:solidFill>
+              </a14:hiddenFill>
+            </a:ext>
+          </a:extLst>
+        </p:spPr>
+      </p:pic>
+      <p:pic>
+        <p:nvPicPr>
+          <p:cNvPr id="3080" name="Picture 8">
+            <a:extLst>
+              <a:ext uri="{FF2B5EF4-FFF2-40B4-BE49-F238E27FC236}">
+                <a16:creationId xmlns:a16="http://schemas.microsoft.com/office/drawing/2014/main" id="{448DA36C-D060-490A-824F-57E901079E90}"/>
+              </a:ext>
+            </a:extLst>
+          </p:cNvPr>
+          <p:cNvPicPr>
+            <a:picLocks noChangeAspect="1" noChangeArrowheads="1"/>
+          </p:cNvPicPr>
+          <p:nvPr/>
+        </p:nvPicPr>
+        <p:blipFill>
+          <a:blip r:embed="rId6">
+            <a:extLst>
+              <a:ext uri="{28A0092B-C50C-407E-A947-70E740481C1C}">
+                <a14:useLocalDpi xmlns:a14="http://schemas.microsoft.com/office/drawing/2010/main" val="0"/>
+              </a:ext>
+            </a:extLst>
+          </a:blip>
+          <a:srcRect/>
+          <a:stretch>
+            <a:fillRect/>
+          </a:stretch>
+        </p:blipFill>
+        <p:spPr bwMode="auto">
+          <a:xfrm>
+            <a:off x="4684191" y="1743775"/>
+            <a:ext cx="1881721" cy="2109509"/>
+          </a:xfrm>
+          <a:prstGeom prst="rect">
+            <a:avLst/>
+          </a:prstGeom>
+          <a:noFill/>
+          <a:ln w="3175">
+            <a:solidFill>
+              <a:schemeClr val="tx1"/>
+            </a:solidFill>
+          </a:ln>
+          <a:extLst>
+            <a:ext uri="{909E8E84-426E-40DD-AFC4-6F175D3DCCD1}">
+              <a14:hiddenFill xmlns:a14="http://schemas.microsoft.com/office/drawing/2010/main">
+                <a:solidFill>
+                  <a:srgbClr val="FFFFFF"/>
+                </a:solidFill>
+              </a14:hiddenFill>
+            </a:ext>
+          </a:extLst>
+        </p:spPr>
+      </p:pic>
+      <p:pic>
+        <p:nvPicPr>
+          <p:cNvPr id="3081" name="Picture 9">
+            <a:extLst>
+              <a:ext uri="{FF2B5EF4-FFF2-40B4-BE49-F238E27FC236}">
+                <a16:creationId xmlns:a16="http://schemas.microsoft.com/office/drawing/2014/main" id="{571EB77B-0CB8-449D-BF20-588B2DB58685}"/>
+              </a:ext>
+            </a:extLst>
+          </p:cNvPr>
+          <p:cNvPicPr>
+            <a:picLocks noChangeAspect="1" noChangeArrowheads="1"/>
+          </p:cNvPicPr>
+          <p:nvPr/>
+        </p:nvPicPr>
+        <p:blipFill>
+          <a:blip r:embed="rId7">
+            <a:extLst>
+              <a:ext uri="{28A0092B-C50C-407E-A947-70E740481C1C}">
+                <a14:useLocalDpi xmlns:a14="http://schemas.microsoft.com/office/drawing/2010/main" val="0"/>
+              </a:ext>
+            </a:extLst>
+          </a:blip>
+          <a:srcRect/>
+          <a:stretch>
+            <a:fillRect/>
+          </a:stretch>
+        </p:blipFill>
+        <p:spPr bwMode="auto">
+          <a:xfrm>
+            <a:off x="6658756" y="1743775"/>
+            <a:ext cx="849055" cy="2109509"/>
+          </a:xfrm>
+          <a:prstGeom prst="rect">
+            <a:avLst/>
+          </a:prstGeom>
+          <a:noFill/>
+          <a:ln w="3175">
+            <a:solidFill>
+              <a:schemeClr val="tx1"/>
+            </a:solidFill>
+          </a:ln>
+          <a:extLst>
+            <a:ext uri="{909E8E84-426E-40DD-AFC4-6F175D3DCCD1}">
+              <a14:hiddenFill xmlns:a14="http://schemas.microsoft.com/office/drawing/2010/main">
+                <a:solidFill>
+                  <a:srgbClr val="FFFFFF"/>
+                </a:solidFill>
+              </a14:hiddenFill>
+            </a:ext>
+          </a:extLst>
+        </p:spPr>
+      </p:pic>
+      <p:sp>
+        <p:nvSpPr>
+          <p:cNvPr id="18" name="TextBox 17">
+            <a:extLst>
+              <a:ext uri="{FF2B5EF4-FFF2-40B4-BE49-F238E27FC236}">
+                <a16:creationId xmlns:a16="http://schemas.microsoft.com/office/drawing/2014/main" id="{4A514C06-A41F-435C-A36D-FB9BEBD3A5DF}"/>
+              </a:ext>
+            </a:extLst>
+          </p:cNvPr>
+          <p:cNvSpPr txBox="1"/>
+          <p:nvPr/>
+        </p:nvSpPr>
+        <p:spPr>
+          <a:xfrm>
+            <a:off x="4684190" y="3853284"/>
+            <a:ext cx="2823620" cy="461665"/>
+          </a:xfrm>
+          <a:prstGeom prst="rect">
+            <a:avLst/>
+          </a:prstGeom>
+          <a:noFill/>
+        </p:spPr>
+        <p:txBody>
+          <a:bodyPr wrap="square" rtlCol="0">
+            <a:spAutoFit/>
+          </a:bodyPr>
+          <a:lstStyle/>
+          <a:p>
+            <a:pPr algn="ctr"/>
+            <a:r>
+              <a:rPr lang="en-US" sz="2400" dirty="0"/>
+              <a:t>Lettuce</a:t>
             </a:r>
           </a:p>
         </p:txBody>
@@ -9568,7 +9312,7 @@
     </p:spTree>
     <p:extLst>
       <p:ext uri="{BB962C8B-B14F-4D97-AF65-F5344CB8AC3E}">
-        <p14:creationId xmlns:p14="http://schemas.microsoft.com/office/powerpoint/2010/main" val="3048842856"/>
+        <p14:creationId xmlns:p14="http://schemas.microsoft.com/office/powerpoint/2010/main" val="2799209890"/>
       </p:ext>
     </p:extLst>
   </p:cSld>
@@ -9595,6 +9339,110 @@
           <a:chExt cx="0" cy="0"/>
         </a:xfrm>
       </p:grpSpPr>
+      <p:pic>
+        <p:nvPicPr>
+          <p:cNvPr id="4100" name="Picture 4">
+            <a:extLst>
+              <a:ext uri="{FF2B5EF4-FFF2-40B4-BE49-F238E27FC236}">
+                <a16:creationId xmlns:a16="http://schemas.microsoft.com/office/drawing/2014/main" id="{60A07631-E121-45BD-B14D-7D6A2A91DC8F}"/>
+              </a:ext>
+            </a:extLst>
+          </p:cNvPr>
+          <p:cNvPicPr>
+            <a:picLocks noChangeAspect="1" noChangeArrowheads="1"/>
+          </p:cNvPicPr>
+          <p:nvPr/>
+        </p:nvPicPr>
+        <p:blipFill>
+          <a:blip r:embed="rId2">
+            <a:extLst>
+              <a:ext uri="{28A0092B-C50C-407E-A947-70E740481C1C}">
+                <a14:useLocalDpi xmlns:a14="http://schemas.microsoft.com/office/drawing/2010/main" val="0"/>
+              </a:ext>
+            </a:extLst>
+          </a:blip>
+          <a:srcRect/>
+          <a:stretch>
+            <a:fillRect/>
+          </a:stretch>
+        </p:blipFill>
+        <p:spPr bwMode="auto">
+          <a:xfrm>
+            <a:off x="3926769" y="1734806"/>
+            <a:ext cx="1788112" cy="1966238"/>
+          </a:xfrm>
+          <a:prstGeom prst="rect">
+            <a:avLst/>
+          </a:prstGeom>
+          <a:noFill/>
+          <a:ln w="3175">
+            <a:solidFill>
+              <a:schemeClr val="tx1"/>
+            </a:solidFill>
+          </a:ln>
+          <a:extLst>
+            <a:ext uri="{909E8E84-426E-40DD-AFC4-6F175D3DCCD1}">
+              <a14:hiddenFill xmlns:a14="http://schemas.microsoft.com/office/drawing/2010/main">
+                <a:solidFill>
+                  <a:srgbClr val="FFFFFF"/>
+                </a:solidFill>
+              </a14:hiddenFill>
+            </a:ext>
+          </a:extLst>
+        </p:spPr>
+      </p:pic>
+      <p:pic>
+        <p:nvPicPr>
+          <p:cNvPr id="4098" name="Picture 2">
+            <a:extLst>
+              <a:ext uri="{FF2B5EF4-FFF2-40B4-BE49-F238E27FC236}">
+                <a16:creationId xmlns:a16="http://schemas.microsoft.com/office/drawing/2014/main" id="{6ADA9F00-6EE3-4EC0-BEE6-E61B61998680}"/>
+              </a:ext>
+            </a:extLst>
+          </p:cNvPr>
+          <p:cNvPicPr>
+            <a:picLocks noChangeAspect="1" noChangeArrowheads="1"/>
+          </p:cNvPicPr>
+          <p:nvPr/>
+        </p:nvPicPr>
+        <p:blipFill>
+          <a:blip r:embed="rId3">
+            <a:extLst>
+              <a:ext uri="{28A0092B-C50C-407E-A947-70E740481C1C}">
+                <a14:useLocalDpi xmlns:a14="http://schemas.microsoft.com/office/drawing/2010/main" val="0"/>
+              </a:ext>
+            </a:extLst>
+          </a:blip>
+          <a:srcRect/>
+          <a:stretch>
+            <a:fillRect/>
+          </a:stretch>
+        </p:blipFill>
+        <p:spPr bwMode="auto">
+          <a:xfrm>
+            <a:off x="1553352" y="1730868"/>
+            <a:ext cx="1998287" cy="1974114"/>
+          </a:xfrm>
+          <a:prstGeom prst="rect">
+            <a:avLst/>
+          </a:prstGeom>
+          <a:noFill/>
+          <a:ln w="3175">
+            <a:solidFill>
+              <a:schemeClr val="tx1"/>
+            </a:solidFill>
+          </a:ln>
+          <a:extLst>
+            <a:ext uri="{909E8E84-426E-40DD-AFC4-6F175D3DCCD1}">
+              <a14:hiddenFill xmlns:a14="http://schemas.microsoft.com/office/drawing/2010/main">
+                <a:solidFill>
+                  <a:srgbClr val="FFFFFF"/>
+                </a:solidFill>
+              </a14:hiddenFill>
+            </a:ext>
+          </a:extLst>
+        </p:spPr>
+      </p:pic>
       <p:sp>
         <p:nvSpPr>
           <p:cNvPr id="5" name="Title 4">
@@ -9628,17 +9476,17 @@
                   <a:srgbClr val="214221"/>
                 </a:solidFill>
               </a:rPr>
-              <a:t>Link to Burger Breakout</a:t>
-            </a:r>
-          </a:p>
-        </p:txBody>
-      </p:sp>
-      <p:sp>
-        <p:nvSpPr>
-          <p:cNvPr id="9" name="TextBox 8">
-            <a:extLst>
-              <a:ext uri="{FF2B5EF4-FFF2-40B4-BE49-F238E27FC236}">
-                <a16:creationId xmlns:a16="http://schemas.microsoft.com/office/drawing/2014/main" id="{EE497A43-4B74-46CA-9B6B-5F77DAB9BACF}"/>
+              <a:t>Early Concept Art: Hazards</a:t>
+            </a:r>
+          </a:p>
+        </p:txBody>
+      </p:sp>
+      <p:sp>
+        <p:nvSpPr>
+          <p:cNvPr id="8" name="TextBox 7">
+            <a:extLst>
+              <a:ext uri="{FF2B5EF4-FFF2-40B4-BE49-F238E27FC236}">
+                <a16:creationId xmlns:a16="http://schemas.microsoft.com/office/drawing/2014/main" id="{AEAB3263-74E9-4FCB-A25D-C102D9127BBE}"/>
               </a:ext>
             </a:extLst>
           </p:cNvPr>
@@ -9647,8 +9495,8 @@
         </p:nvSpPr>
         <p:spPr>
           <a:xfrm>
-            <a:off x="1420656" y="1287227"/>
-            <a:ext cx="10195756" cy="461665"/>
+            <a:off x="1553352" y="3727900"/>
+            <a:ext cx="1998287" cy="461665"/>
           </a:xfrm>
           <a:prstGeom prst="rect">
             <a:avLst/>
@@ -9661,26 +9509,20 @@
           </a:bodyPr>
           <a:lstStyle/>
           <a:p>
-            <a:pPr marL="342900" indent="-342900">
-              <a:spcAft>
-                <a:spcPts val="800"/>
-              </a:spcAft>
-              <a:buFont typeface="Courier New" panose="02070309020205020404" pitchFamily="49" charset="0"/>
-              <a:buChar char="o"/>
-            </a:pPr>
+            <a:pPr algn="ctr"/>
             <a:r>
               <a:rPr lang="en-US" sz="2400" dirty="0"/>
-              <a:t>x</a:t>
-            </a:r>
-          </a:p>
-        </p:txBody>
-      </p:sp>
-      <p:sp>
-        <p:nvSpPr>
-          <p:cNvPr id="4" name="TextBox 3">
-            <a:extLst>
-              <a:ext uri="{FF2B5EF4-FFF2-40B4-BE49-F238E27FC236}">
-                <a16:creationId xmlns:a16="http://schemas.microsoft.com/office/drawing/2014/main" id="{8C52B336-EF99-41EF-806D-B2AC51C7638F}"/>
+              <a:t>Dropped Food</a:t>
+            </a:r>
+          </a:p>
+        </p:txBody>
+      </p:sp>
+      <p:sp>
+        <p:nvSpPr>
+          <p:cNvPr id="10" name="TextBox 9">
+            <a:extLst>
+              <a:ext uri="{FF2B5EF4-FFF2-40B4-BE49-F238E27FC236}">
+                <a16:creationId xmlns:a16="http://schemas.microsoft.com/office/drawing/2014/main" id="{EF07200B-9844-49F0-B8F3-3A62F0ADCD59}"/>
               </a:ext>
             </a:extLst>
           </p:cNvPr>
@@ -9689,15 +9531,13 @@
         </p:nvSpPr>
         <p:spPr>
           <a:xfrm>
-            <a:off x="9253057" y="892667"/>
-            <a:ext cx="2869036" cy="923330"/>
+            <a:off x="6760790" y="4564151"/>
+            <a:ext cx="4905374" cy="461665"/>
           </a:xfrm>
           <a:prstGeom prst="rect">
             <a:avLst/>
           </a:prstGeom>
-          <a:solidFill>
-            <a:srgbClr val="FFFF00"/>
-          </a:solidFill>
+          <a:noFill/>
         </p:spPr>
         <p:txBody>
           <a:bodyPr wrap="square" rtlCol="0">
@@ -9705,19 +9545,182 @@
           </a:bodyPr>
           <a:lstStyle/>
           <a:p>
-            <a:r>
-              <a:rPr lang="en-US" u="sng" dirty="0"/>
-              <a:t>MUR (4/26)</a:t>
-            </a:r>
-            <a:r>
-              <a:rPr lang="en-US" dirty="0"/>
-              <a:t>: “A link to downloadable application.”</a:t>
-            </a:r>
-          </a:p>
-          <a:p>
-            <a:r>
-              <a:rPr lang="en-US" dirty="0"/>
-              <a:t>(1 slide)</a:t>
+            <a:pPr algn="ctr"/>
+            <a:r>
+              <a:rPr lang="en-US" sz="2400" dirty="0"/>
+              <a:t>Timed Jumps Across Kitchen Burners</a:t>
+            </a:r>
+          </a:p>
+        </p:txBody>
+      </p:sp>
+      <p:pic>
+        <p:nvPicPr>
+          <p:cNvPr id="4102" name="Picture 6">
+            <a:extLst>
+              <a:ext uri="{FF2B5EF4-FFF2-40B4-BE49-F238E27FC236}">
+                <a16:creationId xmlns:a16="http://schemas.microsoft.com/office/drawing/2014/main" id="{92EF1C66-9327-4129-9A38-23971C9C5D21}"/>
+              </a:ext>
+            </a:extLst>
+          </p:cNvPr>
+          <p:cNvPicPr>
+            <a:picLocks noChangeAspect="1" noChangeArrowheads="1"/>
+          </p:cNvPicPr>
+          <p:nvPr/>
+        </p:nvPicPr>
+        <p:blipFill rotWithShape="1">
+          <a:blip r:embed="rId4">
+            <a:extLst>
+              <a:ext uri="{28A0092B-C50C-407E-A947-70E740481C1C}">
+                <a14:useLocalDpi xmlns:a14="http://schemas.microsoft.com/office/drawing/2010/main" val="0"/>
+              </a:ext>
+            </a:extLst>
+          </a:blip>
+          <a:srcRect r="547"/>
+          <a:stretch/>
+        </p:blipFill>
+        <p:spPr bwMode="auto">
+          <a:xfrm>
+            <a:off x="6946031" y="1730868"/>
+            <a:ext cx="4534892" cy="2833283"/>
+          </a:xfrm>
+          <a:prstGeom prst="rect">
+            <a:avLst/>
+          </a:prstGeom>
+          <a:noFill/>
+          <a:ln w="3175">
+            <a:solidFill>
+              <a:schemeClr val="tx1"/>
+            </a:solidFill>
+          </a:ln>
+          <a:extLst>
+            <a:ext uri="{909E8E84-426E-40DD-AFC4-6F175D3DCCD1}">
+              <a14:hiddenFill xmlns:a14="http://schemas.microsoft.com/office/drawing/2010/main">
+                <a:solidFill>
+                  <a:srgbClr val="FFFFFF"/>
+                </a:solidFill>
+              </a14:hiddenFill>
+            </a:ext>
+          </a:extLst>
+        </p:spPr>
+      </p:pic>
+      <p:pic>
+        <p:nvPicPr>
+          <p:cNvPr id="4104" name="Picture 8">
+            <a:extLst>
+              <a:ext uri="{FF2B5EF4-FFF2-40B4-BE49-F238E27FC236}">
+                <a16:creationId xmlns:a16="http://schemas.microsoft.com/office/drawing/2014/main" id="{92E06DB4-5360-47B9-8BC0-678C91F3242C}"/>
+              </a:ext>
+            </a:extLst>
+          </p:cNvPr>
+          <p:cNvPicPr>
+            <a:picLocks noChangeAspect="1" noChangeArrowheads="1"/>
+          </p:cNvPicPr>
+          <p:nvPr/>
+        </p:nvPicPr>
+        <p:blipFill rotWithShape="1">
+          <a:blip r:embed="rId5">
+            <a:extLst>
+              <a:ext uri="{28A0092B-C50C-407E-A947-70E740481C1C}">
+                <a14:useLocalDpi xmlns:a14="http://schemas.microsoft.com/office/drawing/2010/main" val="0"/>
+              </a:ext>
+            </a:extLst>
+          </a:blip>
+          <a:srcRect t="759"/>
+          <a:stretch/>
+        </p:blipFill>
+        <p:spPr bwMode="auto">
+          <a:xfrm rot="16200000">
+            <a:off x="3075574" y="3016065"/>
+            <a:ext cx="1051222" cy="4227395"/>
+          </a:xfrm>
+          <a:prstGeom prst="rect">
+            <a:avLst/>
+          </a:prstGeom>
+          <a:noFill/>
+          <a:ln w="3175">
+            <a:solidFill>
+              <a:schemeClr val="tx1"/>
+            </a:solidFill>
+          </a:ln>
+          <a:extLst>
+            <a:ext uri="{909E8E84-426E-40DD-AFC4-6F175D3DCCD1}">
+              <a14:hiddenFill xmlns:a14="http://schemas.microsoft.com/office/drawing/2010/main">
+                <a:solidFill>
+                  <a:srgbClr val="FFFFFF"/>
+                </a:solidFill>
+              </a14:hiddenFill>
+            </a:ext>
+          </a:extLst>
+        </p:spPr>
+      </p:pic>
+      <p:sp>
+        <p:nvSpPr>
+          <p:cNvPr id="16" name="TextBox 15">
+            <a:extLst>
+              <a:ext uri="{FF2B5EF4-FFF2-40B4-BE49-F238E27FC236}">
+                <a16:creationId xmlns:a16="http://schemas.microsoft.com/office/drawing/2014/main" id="{6AB33C84-6B57-4F94-9379-4114ADA770A6}"/>
+              </a:ext>
+            </a:extLst>
+          </p:cNvPr>
+          <p:cNvSpPr txBox="1"/>
+          <p:nvPr/>
+        </p:nvSpPr>
+        <p:spPr>
+          <a:xfrm>
+            <a:off x="3791503" y="3722175"/>
+            <a:ext cx="1998287" cy="461665"/>
+          </a:xfrm>
+          <a:prstGeom prst="rect">
+            <a:avLst/>
+          </a:prstGeom>
+          <a:noFill/>
+        </p:spPr>
+        <p:txBody>
+          <a:bodyPr wrap="square" rtlCol="0">
+            <a:spAutoFit/>
+          </a:bodyPr>
+          <a:lstStyle/>
+          <a:p>
+            <a:pPr algn="ctr"/>
+            <a:r>
+              <a:rPr lang="en-US" sz="2400" dirty="0"/>
+              <a:t>Tomato Slices</a:t>
+            </a:r>
+          </a:p>
+        </p:txBody>
+      </p:sp>
+      <p:sp>
+        <p:nvSpPr>
+          <p:cNvPr id="17" name="TextBox 16">
+            <a:extLst>
+              <a:ext uri="{FF2B5EF4-FFF2-40B4-BE49-F238E27FC236}">
+                <a16:creationId xmlns:a16="http://schemas.microsoft.com/office/drawing/2014/main" id="{B895C175-CD1E-44AD-A3F9-F29EF63C5516}"/>
+              </a:ext>
+            </a:extLst>
+          </p:cNvPr>
+          <p:cNvSpPr txBox="1"/>
+          <p:nvPr/>
+        </p:nvSpPr>
+        <p:spPr>
+          <a:xfrm>
+            <a:off x="1455145" y="5655374"/>
+            <a:ext cx="4259735" cy="461665"/>
+          </a:xfrm>
+          <a:prstGeom prst="rect">
+            <a:avLst/>
+          </a:prstGeom>
+          <a:noFill/>
+        </p:spPr>
+        <p:txBody>
+          <a:bodyPr wrap="square" rtlCol="0">
+            <a:spAutoFit/>
+          </a:bodyPr>
+          <a:lstStyle/>
+          <a:p>
+            <a:pPr algn="ctr"/>
+            <a:r>
+              <a:rPr lang="en-US" sz="2400" dirty="0"/>
+              <a:t>Knives Being Used by Humans</a:t>
             </a:r>
           </a:p>
         </p:txBody>
@@ -9725,7 +9728,7 @@
     </p:spTree>
     <p:extLst>
       <p:ext uri="{BB962C8B-B14F-4D97-AF65-F5344CB8AC3E}">
-        <p14:creationId xmlns:p14="http://schemas.microsoft.com/office/powerpoint/2010/main" val="2863408595"/>
+        <p14:creationId xmlns:p14="http://schemas.microsoft.com/office/powerpoint/2010/main" val="3982801641"/>
       </p:ext>
     </p:extLst>
   </p:cSld>
@@ -10009,6 +10012,477 @@
 </file>
 
 <file path=ppt/slides/slide20.xml><?xml version="1.0" encoding="utf-8"?>
+<p:sld xmlns:a="http://schemas.openxmlformats.org/drawingml/2006/main" xmlns:r="http://schemas.openxmlformats.org/officeDocument/2006/relationships" xmlns:p="http://schemas.openxmlformats.org/presentationml/2006/main">
+  <p:cSld>
+    <p:spTree>
+      <p:nvGrpSpPr>
+        <p:cNvPr id="1" name=""/>
+        <p:cNvGrpSpPr/>
+        <p:nvPr/>
+      </p:nvGrpSpPr>
+      <p:grpSpPr>
+        <a:xfrm>
+          <a:off x="0" y="0"/>
+          <a:ext cx="0" cy="0"/>
+          <a:chOff x="0" y="0"/>
+          <a:chExt cx="0" cy="0"/>
+        </a:xfrm>
+      </p:grpSpPr>
+      <p:sp>
+        <p:nvSpPr>
+          <p:cNvPr id="5" name="Title 4">
+            <a:extLst>
+              <a:ext uri="{FF2B5EF4-FFF2-40B4-BE49-F238E27FC236}">
+                <a16:creationId xmlns:a16="http://schemas.microsoft.com/office/drawing/2014/main" id="{78CC151D-3E87-49F8-947C-F3CD2D5C3781}"/>
+              </a:ext>
+            </a:extLst>
+          </p:cNvPr>
+          <p:cNvSpPr>
+            <a:spLocks noGrp="1"/>
+          </p:cNvSpPr>
+          <p:nvPr>
+            <p:ph type="title"/>
+          </p:nvPr>
+        </p:nvSpPr>
+        <p:spPr>
+          <a:xfrm>
+            <a:off x="0" y="196224"/>
+            <a:ext cx="12192000" cy="704166"/>
+          </a:xfrm>
+        </p:spPr>
+        <p:txBody>
+          <a:bodyPr/>
+          <a:lstStyle/>
+          <a:p>
+            <a:pPr algn="ctr"/>
+            <a:r>
+              <a:rPr lang="en-US" sz="4000" b="1" dirty="0">
+                <a:solidFill>
+                  <a:srgbClr val="214221"/>
+                </a:solidFill>
+              </a:rPr>
+              <a:t>Breakdown of Level of Effort for Team Members</a:t>
+            </a:r>
+          </a:p>
+        </p:txBody>
+      </p:sp>
+      <p:sp>
+        <p:nvSpPr>
+          <p:cNvPr id="9" name="TextBox 8">
+            <a:extLst>
+              <a:ext uri="{FF2B5EF4-FFF2-40B4-BE49-F238E27FC236}">
+                <a16:creationId xmlns:a16="http://schemas.microsoft.com/office/drawing/2014/main" id="{EE497A43-4B74-46CA-9B6B-5F77DAB9BACF}"/>
+              </a:ext>
+            </a:extLst>
+          </p:cNvPr>
+          <p:cNvSpPr txBox="1"/>
+          <p:nvPr/>
+        </p:nvSpPr>
+        <p:spPr>
+          <a:xfrm>
+            <a:off x="1420656" y="1287227"/>
+            <a:ext cx="10195756" cy="461665"/>
+          </a:xfrm>
+          <a:prstGeom prst="rect">
+            <a:avLst/>
+          </a:prstGeom>
+          <a:noFill/>
+        </p:spPr>
+        <p:txBody>
+          <a:bodyPr wrap="square" rtlCol="0">
+            <a:spAutoFit/>
+          </a:bodyPr>
+          <a:lstStyle/>
+          <a:p>
+            <a:pPr marL="342900" indent="-342900">
+              <a:spcAft>
+                <a:spcPts val="800"/>
+              </a:spcAft>
+              <a:buFont typeface="Courier New" panose="02070309020205020404" pitchFamily="49" charset="0"/>
+              <a:buChar char="o"/>
+            </a:pPr>
+            <a:r>
+              <a:rPr lang="en-US" sz="2400" dirty="0"/>
+              <a:t>x</a:t>
+            </a:r>
+          </a:p>
+        </p:txBody>
+      </p:sp>
+      <p:sp>
+        <p:nvSpPr>
+          <p:cNvPr id="4" name="TextBox 3">
+            <a:extLst>
+              <a:ext uri="{FF2B5EF4-FFF2-40B4-BE49-F238E27FC236}">
+                <a16:creationId xmlns:a16="http://schemas.microsoft.com/office/drawing/2014/main" id="{8C52B336-EF99-41EF-806D-B2AC51C7638F}"/>
+              </a:ext>
+            </a:extLst>
+          </p:cNvPr>
+          <p:cNvSpPr txBox="1"/>
+          <p:nvPr/>
+        </p:nvSpPr>
+        <p:spPr>
+          <a:xfrm>
+            <a:off x="9471171" y="892667"/>
+            <a:ext cx="2650922" cy="1477328"/>
+          </a:xfrm>
+          <a:prstGeom prst="rect">
+            <a:avLst/>
+          </a:prstGeom>
+          <a:solidFill>
+            <a:srgbClr val="FFFF00"/>
+          </a:solidFill>
+        </p:spPr>
+        <p:txBody>
+          <a:bodyPr wrap="square" rtlCol="0">
+            <a:spAutoFit/>
+          </a:bodyPr>
+          <a:lstStyle/>
+          <a:p>
+            <a:r>
+              <a:rPr lang="en-US" u="sng" dirty="0"/>
+              <a:t>MUR (4/26)</a:t>
+            </a:r>
+            <a:r>
+              <a:rPr lang="en-US" dirty="0"/>
+              <a:t>: “Who did what and the percentage. A summary of the product backlog can be used.”</a:t>
+            </a:r>
+          </a:p>
+          <a:p>
+            <a:r>
+              <a:rPr lang="en-US" dirty="0"/>
+              <a:t>(1-2 slides)</a:t>
+            </a:r>
+          </a:p>
+        </p:txBody>
+      </p:sp>
+    </p:spTree>
+    <p:extLst>
+      <p:ext uri="{BB962C8B-B14F-4D97-AF65-F5344CB8AC3E}">
+        <p14:creationId xmlns:p14="http://schemas.microsoft.com/office/powerpoint/2010/main" val="2125231294"/>
+      </p:ext>
+    </p:extLst>
+  </p:cSld>
+  <p:clrMapOvr>
+    <a:masterClrMapping/>
+  </p:clrMapOvr>
+</p:sld>
+</file>
+
+<file path=ppt/slides/slide21.xml><?xml version="1.0" encoding="utf-8"?>
+<p:sld xmlns:a="http://schemas.openxmlformats.org/drawingml/2006/main" xmlns:r="http://schemas.openxmlformats.org/officeDocument/2006/relationships" xmlns:p="http://schemas.openxmlformats.org/presentationml/2006/main">
+  <p:cSld>
+    <p:spTree>
+      <p:nvGrpSpPr>
+        <p:cNvPr id="1" name=""/>
+        <p:cNvGrpSpPr/>
+        <p:nvPr/>
+      </p:nvGrpSpPr>
+      <p:grpSpPr>
+        <a:xfrm>
+          <a:off x="0" y="0"/>
+          <a:ext cx="0" cy="0"/>
+          <a:chOff x="0" y="0"/>
+          <a:chExt cx="0" cy="0"/>
+        </a:xfrm>
+      </p:grpSpPr>
+      <p:sp>
+        <p:nvSpPr>
+          <p:cNvPr id="5" name="Title 4">
+            <a:extLst>
+              <a:ext uri="{FF2B5EF4-FFF2-40B4-BE49-F238E27FC236}">
+                <a16:creationId xmlns:a16="http://schemas.microsoft.com/office/drawing/2014/main" id="{78CC151D-3E87-49F8-947C-F3CD2D5C3781}"/>
+              </a:ext>
+            </a:extLst>
+          </p:cNvPr>
+          <p:cNvSpPr>
+            <a:spLocks noGrp="1"/>
+          </p:cNvSpPr>
+          <p:nvPr>
+            <p:ph type="title"/>
+          </p:nvPr>
+        </p:nvSpPr>
+        <p:spPr>
+          <a:xfrm>
+            <a:off x="0" y="196224"/>
+            <a:ext cx="12192000" cy="704166"/>
+          </a:xfrm>
+        </p:spPr>
+        <p:txBody>
+          <a:bodyPr/>
+          <a:lstStyle/>
+          <a:p>
+            <a:pPr algn="ctr"/>
+            <a:r>
+              <a:rPr lang="en-US" sz="4000" b="1" dirty="0">
+                <a:solidFill>
+                  <a:srgbClr val="214221"/>
+                </a:solidFill>
+              </a:rPr>
+              <a:t>Work Left on Burger Breakout</a:t>
+            </a:r>
+          </a:p>
+        </p:txBody>
+      </p:sp>
+      <p:sp>
+        <p:nvSpPr>
+          <p:cNvPr id="9" name="TextBox 8">
+            <a:extLst>
+              <a:ext uri="{FF2B5EF4-FFF2-40B4-BE49-F238E27FC236}">
+                <a16:creationId xmlns:a16="http://schemas.microsoft.com/office/drawing/2014/main" id="{EE497A43-4B74-46CA-9B6B-5F77DAB9BACF}"/>
+              </a:ext>
+            </a:extLst>
+          </p:cNvPr>
+          <p:cNvSpPr txBox="1"/>
+          <p:nvPr/>
+        </p:nvSpPr>
+        <p:spPr>
+          <a:xfrm>
+            <a:off x="1420656" y="1287227"/>
+            <a:ext cx="10195756" cy="461665"/>
+          </a:xfrm>
+          <a:prstGeom prst="rect">
+            <a:avLst/>
+          </a:prstGeom>
+          <a:noFill/>
+        </p:spPr>
+        <p:txBody>
+          <a:bodyPr wrap="square" rtlCol="0">
+            <a:spAutoFit/>
+          </a:bodyPr>
+          <a:lstStyle/>
+          <a:p>
+            <a:pPr marL="342900" indent="-342900">
+              <a:spcAft>
+                <a:spcPts val="800"/>
+              </a:spcAft>
+              <a:buFont typeface="Courier New" panose="02070309020205020404" pitchFamily="49" charset="0"/>
+              <a:buChar char="o"/>
+            </a:pPr>
+            <a:r>
+              <a:rPr lang="en-US" sz="2400" dirty="0"/>
+              <a:t>x</a:t>
+            </a:r>
+          </a:p>
+        </p:txBody>
+      </p:sp>
+      <p:sp>
+        <p:nvSpPr>
+          <p:cNvPr id="4" name="TextBox 3">
+            <a:extLst>
+              <a:ext uri="{FF2B5EF4-FFF2-40B4-BE49-F238E27FC236}">
+                <a16:creationId xmlns:a16="http://schemas.microsoft.com/office/drawing/2014/main" id="{8C52B336-EF99-41EF-806D-B2AC51C7638F}"/>
+              </a:ext>
+            </a:extLst>
+          </p:cNvPr>
+          <p:cNvSpPr txBox="1"/>
+          <p:nvPr/>
+        </p:nvSpPr>
+        <p:spPr>
+          <a:xfrm>
+            <a:off x="9471171" y="892667"/>
+            <a:ext cx="2650922" cy="923330"/>
+          </a:xfrm>
+          <a:prstGeom prst="rect">
+            <a:avLst/>
+          </a:prstGeom>
+          <a:solidFill>
+            <a:srgbClr val="FFFF00"/>
+          </a:solidFill>
+        </p:spPr>
+        <p:txBody>
+          <a:bodyPr wrap="square" rtlCol="0">
+            <a:spAutoFit/>
+          </a:bodyPr>
+          <a:lstStyle/>
+          <a:p>
+            <a:r>
+              <a:rPr lang="en-US" u="sng" dirty="0"/>
+              <a:t>MUR (4/26)</a:t>
+            </a:r>
+            <a:r>
+              <a:rPr lang="en-US" dirty="0"/>
+              <a:t>: Need to update slide.</a:t>
+            </a:r>
+          </a:p>
+          <a:p>
+            <a:r>
+              <a:rPr lang="en-US" dirty="0"/>
+              <a:t>(1-2 slides)</a:t>
+            </a:r>
+          </a:p>
+        </p:txBody>
+      </p:sp>
+    </p:spTree>
+    <p:extLst>
+      <p:ext uri="{BB962C8B-B14F-4D97-AF65-F5344CB8AC3E}">
+        <p14:creationId xmlns:p14="http://schemas.microsoft.com/office/powerpoint/2010/main" val="3048842856"/>
+      </p:ext>
+    </p:extLst>
+  </p:cSld>
+  <p:clrMapOvr>
+    <a:masterClrMapping/>
+  </p:clrMapOvr>
+</p:sld>
+</file>
+
+<file path=ppt/slides/slide22.xml><?xml version="1.0" encoding="utf-8"?>
+<p:sld xmlns:a="http://schemas.openxmlformats.org/drawingml/2006/main" xmlns:r="http://schemas.openxmlformats.org/officeDocument/2006/relationships" xmlns:p="http://schemas.openxmlformats.org/presentationml/2006/main">
+  <p:cSld>
+    <p:spTree>
+      <p:nvGrpSpPr>
+        <p:cNvPr id="1" name=""/>
+        <p:cNvGrpSpPr/>
+        <p:nvPr/>
+      </p:nvGrpSpPr>
+      <p:grpSpPr>
+        <a:xfrm>
+          <a:off x="0" y="0"/>
+          <a:ext cx="0" cy="0"/>
+          <a:chOff x="0" y="0"/>
+          <a:chExt cx="0" cy="0"/>
+        </a:xfrm>
+      </p:grpSpPr>
+      <p:sp>
+        <p:nvSpPr>
+          <p:cNvPr id="5" name="Title 4">
+            <a:extLst>
+              <a:ext uri="{FF2B5EF4-FFF2-40B4-BE49-F238E27FC236}">
+                <a16:creationId xmlns:a16="http://schemas.microsoft.com/office/drawing/2014/main" id="{78CC151D-3E87-49F8-947C-F3CD2D5C3781}"/>
+              </a:ext>
+            </a:extLst>
+          </p:cNvPr>
+          <p:cNvSpPr>
+            <a:spLocks noGrp="1"/>
+          </p:cNvSpPr>
+          <p:nvPr>
+            <p:ph type="title"/>
+          </p:nvPr>
+        </p:nvSpPr>
+        <p:spPr>
+          <a:xfrm>
+            <a:off x="0" y="196224"/>
+            <a:ext cx="12192000" cy="704166"/>
+          </a:xfrm>
+        </p:spPr>
+        <p:txBody>
+          <a:bodyPr/>
+          <a:lstStyle/>
+          <a:p>
+            <a:pPr algn="ctr"/>
+            <a:r>
+              <a:rPr lang="en-US" sz="4000" b="1" dirty="0">
+                <a:solidFill>
+                  <a:srgbClr val="214221"/>
+                </a:solidFill>
+              </a:rPr>
+              <a:t>Link to Burger Breakout</a:t>
+            </a:r>
+          </a:p>
+        </p:txBody>
+      </p:sp>
+      <p:sp>
+        <p:nvSpPr>
+          <p:cNvPr id="9" name="TextBox 8">
+            <a:extLst>
+              <a:ext uri="{FF2B5EF4-FFF2-40B4-BE49-F238E27FC236}">
+                <a16:creationId xmlns:a16="http://schemas.microsoft.com/office/drawing/2014/main" id="{EE497A43-4B74-46CA-9B6B-5F77DAB9BACF}"/>
+              </a:ext>
+            </a:extLst>
+          </p:cNvPr>
+          <p:cNvSpPr txBox="1"/>
+          <p:nvPr/>
+        </p:nvSpPr>
+        <p:spPr>
+          <a:xfrm>
+            <a:off x="1420656" y="1287227"/>
+            <a:ext cx="10195756" cy="461665"/>
+          </a:xfrm>
+          <a:prstGeom prst="rect">
+            <a:avLst/>
+          </a:prstGeom>
+          <a:noFill/>
+        </p:spPr>
+        <p:txBody>
+          <a:bodyPr wrap="square" rtlCol="0">
+            <a:spAutoFit/>
+          </a:bodyPr>
+          <a:lstStyle/>
+          <a:p>
+            <a:pPr marL="342900" indent="-342900">
+              <a:spcAft>
+                <a:spcPts val="800"/>
+              </a:spcAft>
+              <a:buFont typeface="Courier New" panose="02070309020205020404" pitchFamily="49" charset="0"/>
+              <a:buChar char="o"/>
+            </a:pPr>
+            <a:r>
+              <a:rPr lang="en-US" sz="2400" dirty="0"/>
+              <a:t>x</a:t>
+            </a:r>
+          </a:p>
+        </p:txBody>
+      </p:sp>
+      <p:sp>
+        <p:nvSpPr>
+          <p:cNvPr id="4" name="TextBox 3">
+            <a:extLst>
+              <a:ext uri="{FF2B5EF4-FFF2-40B4-BE49-F238E27FC236}">
+                <a16:creationId xmlns:a16="http://schemas.microsoft.com/office/drawing/2014/main" id="{8C52B336-EF99-41EF-806D-B2AC51C7638F}"/>
+              </a:ext>
+            </a:extLst>
+          </p:cNvPr>
+          <p:cNvSpPr txBox="1"/>
+          <p:nvPr/>
+        </p:nvSpPr>
+        <p:spPr>
+          <a:xfrm>
+            <a:off x="9253057" y="892667"/>
+            <a:ext cx="2869036" cy="923330"/>
+          </a:xfrm>
+          <a:prstGeom prst="rect">
+            <a:avLst/>
+          </a:prstGeom>
+          <a:solidFill>
+            <a:srgbClr val="FFFF00"/>
+          </a:solidFill>
+        </p:spPr>
+        <p:txBody>
+          <a:bodyPr wrap="square" rtlCol="0">
+            <a:spAutoFit/>
+          </a:bodyPr>
+          <a:lstStyle/>
+          <a:p>
+            <a:r>
+              <a:rPr lang="en-US" u="sng" dirty="0"/>
+              <a:t>MUR (4/26)</a:t>
+            </a:r>
+            <a:r>
+              <a:rPr lang="en-US" dirty="0"/>
+              <a:t>: “A link to downloadable application.”</a:t>
+            </a:r>
+          </a:p>
+          <a:p>
+            <a:r>
+              <a:rPr lang="en-US" dirty="0"/>
+              <a:t>(1 slide)</a:t>
+            </a:r>
+          </a:p>
+        </p:txBody>
+      </p:sp>
+    </p:spTree>
+    <p:extLst>
+      <p:ext uri="{BB962C8B-B14F-4D97-AF65-F5344CB8AC3E}">
+        <p14:creationId xmlns:p14="http://schemas.microsoft.com/office/powerpoint/2010/main" val="2863408595"/>
+      </p:ext>
+    </p:extLst>
+  </p:cSld>
+  <p:clrMapOvr>
+    <a:masterClrMapping/>
+  </p:clrMapOvr>
+</p:sld>
+</file>
+
+<file path=ppt/slides/slide23.xml><?xml version="1.0" encoding="utf-8"?>
 <p:sld xmlns:a="http://schemas.openxmlformats.org/drawingml/2006/main" xmlns:r="http://schemas.openxmlformats.org/officeDocument/2006/relationships" xmlns:p="http://schemas.openxmlformats.org/presentationml/2006/main">
   <p:cSld>
     <p:spTree>
@@ -10744,7 +11218,7 @@
                   <a:srgbClr val="214221"/>
                 </a:solidFill>
               </a:rPr>
-              <a:t>Important Sequence Diagrams</a:t>
+              <a:t>Important Sequence Diagrams: Create New Game</a:t>
             </a:r>
           </a:p>
         </p:txBody>
@@ -10763,8 +11237,8 @@
         </p:nvSpPr>
         <p:spPr>
           <a:xfrm>
-            <a:off x="1420656" y="1287227"/>
-            <a:ext cx="10195756" cy="461665"/>
+            <a:off x="691358" y="1081554"/>
+            <a:ext cx="11263917" cy="338554"/>
           </a:xfrm>
           <a:prstGeom prst="rect">
             <a:avLst/>
@@ -10777,26 +11251,84 @@
           </a:bodyPr>
           <a:lstStyle/>
           <a:p>
-            <a:pPr marL="342900" indent="-342900">
+            <a:pPr>
               <a:spcAft>
                 <a:spcPts val="800"/>
               </a:spcAft>
-              <a:buFont typeface="Courier New" panose="02070309020205020404" pitchFamily="49" charset="0"/>
-              <a:buChar char="o"/>
             </a:pPr>
             <a:r>
-              <a:rPr lang="en-US" sz="2400" dirty="0"/>
-              <a:t>x</a:t>
-            </a:r>
-          </a:p>
-        </p:txBody>
-      </p:sp>
-      <p:sp>
-        <p:nvSpPr>
-          <p:cNvPr id="4" name="TextBox 3">
-            <a:extLst>
-              <a:ext uri="{FF2B5EF4-FFF2-40B4-BE49-F238E27FC236}">
-                <a16:creationId xmlns:a16="http://schemas.microsoft.com/office/drawing/2014/main" id="{8C52B336-EF99-41EF-806D-B2AC51C7638F}"/>
+              <a:rPr lang="en-US" sz="1600" b="1" dirty="0"/>
+              <a:t>Analysis Sequence Diagram:                                                                          Design Sequence Diagram:</a:t>
+            </a:r>
+          </a:p>
+        </p:txBody>
+      </p:sp>
+      <p:pic>
+        <p:nvPicPr>
+          <p:cNvPr id="3" name="Picture 2">
+            <a:extLst>
+              <a:ext uri="{FF2B5EF4-FFF2-40B4-BE49-F238E27FC236}">
+                <a16:creationId xmlns:a16="http://schemas.microsoft.com/office/drawing/2014/main" id="{3BFF6067-527E-4EC3-8524-1C467454C5F9}"/>
+              </a:ext>
+            </a:extLst>
+          </p:cNvPr>
+          <p:cNvPicPr>
+            <a:picLocks noChangeAspect="1"/>
+          </p:cNvPicPr>
+          <p:nvPr/>
+        </p:nvPicPr>
+        <p:blipFill>
+          <a:blip r:embed="rId2"/>
+          <a:stretch>
+            <a:fillRect/>
+          </a:stretch>
+        </p:blipFill>
+        <p:spPr>
+          <a:xfrm>
+            <a:off x="691358" y="1420109"/>
+            <a:ext cx="5466162" cy="1981338"/>
+          </a:xfrm>
+          <a:prstGeom prst="rect">
+            <a:avLst/>
+          </a:prstGeom>
+        </p:spPr>
+      </p:pic>
+      <p:pic>
+        <p:nvPicPr>
+          <p:cNvPr id="6" name="Picture 5">
+            <a:extLst>
+              <a:ext uri="{FF2B5EF4-FFF2-40B4-BE49-F238E27FC236}">
+                <a16:creationId xmlns:a16="http://schemas.microsoft.com/office/drawing/2014/main" id="{9ECB4C8F-7CB3-4479-93D0-F5164D864B36}"/>
+              </a:ext>
+            </a:extLst>
+          </p:cNvPr>
+          <p:cNvPicPr>
+            <a:picLocks noChangeAspect="1"/>
+          </p:cNvPicPr>
+          <p:nvPr/>
+        </p:nvPicPr>
+        <p:blipFill>
+          <a:blip r:embed="rId3"/>
+          <a:stretch>
+            <a:fillRect/>
+          </a:stretch>
+        </p:blipFill>
+        <p:spPr>
+          <a:xfrm>
+            <a:off x="6489113" y="1414106"/>
+            <a:ext cx="5466162" cy="1981338"/>
+          </a:xfrm>
+          <a:prstGeom prst="rect">
+            <a:avLst/>
+          </a:prstGeom>
+        </p:spPr>
+      </p:pic>
+      <p:sp>
+        <p:nvSpPr>
+          <p:cNvPr id="37" name="TextBox 36">
+            <a:extLst>
+              <a:ext uri="{FF2B5EF4-FFF2-40B4-BE49-F238E27FC236}">
+                <a16:creationId xmlns:a16="http://schemas.microsoft.com/office/drawing/2014/main" id="{809B5F61-7B73-41EF-8781-FF3A69E4EEF9}"/>
               </a:ext>
             </a:extLst>
           </p:cNvPr>
@@ -10805,8 +11337,162 @@
         </p:nvSpPr>
         <p:spPr>
           <a:xfrm>
-            <a:off x="9823509" y="892667"/>
-            <a:ext cx="2298584" cy="923330"/>
+            <a:off x="691357" y="3459548"/>
+            <a:ext cx="11263917" cy="3370153"/>
+          </a:xfrm>
+          <a:prstGeom prst="rect">
+            <a:avLst/>
+          </a:prstGeom>
+          <a:noFill/>
+        </p:spPr>
+        <p:txBody>
+          <a:bodyPr wrap="square" rtlCol="0">
+            <a:spAutoFit/>
+          </a:bodyPr>
+          <a:lstStyle/>
+          <a:p>
+            <a:pPr>
+              <a:spcAft>
+                <a:spcPts val="600"/>
+              </a:spcAft>
+            </a:pPr>
+            <a:r>
+              <a:rPr lang="en-US" sz="1600" b="1" dirty="0"/>
+              <a:t>Sequence Step Description:</a:t>
+            </a:r>
+          </a:p>
+          <a:p>
+            <a:r>
+              <a:rPr lang="en-US" sz="1600" b="1" dirty="0"/>
+              <a:t>Title: </a:t>
+            </a:r>
+            <a:r>
+              <a:rPr lang="en-US" sz="1600" dirty="0"/>
+              <a:t>Create New Game</a:t>
+            </a:r>
+          </a:p>
+          <a:p>
+            <a:r>
+              <a:rPr lang="en-US" sz="1600" b="1" dirty="0"/>
+              <a:t>Actor(s): </a:t>
+            </a:r>
+            <a:r>
+              <a:rPr lang="en-US" sz="1600" dirty="0"/>
+              <a:t>User</a:t>
+            </a:r>
+          </a:p>
+          <a:p>
+            <a:r>
+              <a:rPr lang="en-US" sz="1600" b="1" dirty="0"/>
+              <a:t>Precondition: </a:t>
+            </a:r>
+            <a:r>
+              <a:rPr lang="en-US" sz="1600" dirty="0"/>
+              <a:t>User has selected “yes” at prompt to create new game</a:t>
+            </a:r>
+          </a:p>
+          <a:p>
+            <a:r>
+              <a:rPr lang="en-US" sz="1600" b="1" dirty="0"/>
+              <a:t>Outcome: </a:t>
+            </a:r>
+            <a:r>
+              <a:rPr lang="en-US" sz="1600" dirty="0"/>
+              <a:t>A new game is started at the start of level one</a:t>
+            </a:r>
+          </a:p>
+          <a:p>
+            <a:r>
+              <a:rPr lang="en-US" sz="1600" b="1" dirty="0"/>
+              <a:t>	User Actions						System Actions</a:t>
+            </a:r>
+          </a:p>
+          <a:p>
+            <a:r>
+              <a:rPr lang="en-US" sz="1600" b="1" dirty="0"/>
+              <a:t>	3.</a:t>
+            </a:r>
+            <a:r>
+              <a:rPr lang="en-US" sz="1600" dirty="0"/>
+              <a:t> User clicks UI “yes” button			</a:t>
+            </a:r>
+            <a:r>
+              <a:rPr lang="en-US" sz="1600" b="1" dirty="0"/>
+              <a:t>4.1.</a:t>
+            </a:r>
+            <a:r>
+              <a:rPr lang="en-US" sz="1600" dirty="0"/>
+              <a:t> Game UI generates a new game message and sends it to the 							        message controller</a:t>
+            </a:r>
+          </a:p>
+          <a:p>
+            <a:r>
+              <a:rPr lang="en-US" sz="1600" dirty="0"/>
+              <a:t>						</a:t>
+            </a:r>
+            <a:r>
+              <a:rPr lang="en-US" sz="1600" b="1" dirty="0"/>
+              <a:t>4.2</a:t>
+            </a:r>
+            <a:r>
+              <a:rPr lang="en-US" sz="1600" dirty="0"/>
+              <a:t> Message controller sends the new game call to the game 							       controller</a:t>
+            </a:r>
+          </a:p>
+          <a:p>
+            <a:r>
+              <a:rPr lang="en-US" sz="1600" dirty="0"/>
+              <a:t>						</a:t>
+            </a:r>
+            <a:r>
+              <a:rPr lang="en-US" sz="1600" b="1" dirty="0"/>
+              <a:t>4.3 </a:t>
+            </a:r>
+            <a:r>
+              <a:rPr lang="en-US" sz="1600" dirty="0"/>
+              <a:t>The game controller initializes a new game</a:t>
+            </a:r>
+          </a:p>
+          <a:p>
+            <a:r>
+              <a:rPr lang="en-US" sz="1600" dirty="0"/>
+              <a:t>						</a:t>
+            </a:r>
+            <a:r>
+              <a:rPr lang="en-US" sz="1600" b="1" dirty="0"/>
+              <a:t>5/6</a:t>
+            </a:r>
+            <a:r>
+              <a:rPr lang="en-US" sz="1600" dirty="0"/>
+              <a:t> The user interface displays the game view</a:t>
+            </a:r>
+          </a:p>
+          <a:p>
+            <a:pPr>
+              <a:spcAft>
+                <a:spcPts val="800"/>
+              </a:spcAft>
+            </a:pPr>
+            <a:endParaRPr lang="en-US" sz="1600" b="1" dirty="0"/>
+          </a:p>
+        </p:txBody>
+      </p:sp>
+      <p:sp>
+        <p:nvSpPr>
+          <p:cNvPr id="39" name="TextBox 38">
+            <a:extLst>
+              <a:ext uri="{FF2B5EF4-FFF2-40B4-BE49-F238E27FC236}">
+                <a16:creationId xmlns:a16="http://schemas.microsoft.com/office/drawing/2014/main" id="{ECCB6031-27E8-42AD-882D-76656ED40F83}"/>
+              </a:ext>
+            </a:extLst>
+          </p:cNvPr>
+          <p:cNvSpPr txBox="1"/>
+          <p:nvPr/>
+        </p:nvSpPr>
+        <p:spPr>
+          <a:xfrm>
+            <a:off x="9222191" y="3737184"/>
+            <a:ext cx="2910981" cy="646331"/>
           </a:xfrm>
           <a:prstGeom prst="rect">
             <a:avLst/>
@@ -10827,7 +11513,7 @@
             </a:r>
             <a:r>
               <a:rPr lang="en-US" dirty="0"/>
-              <a:t>: Need to update slide.</a:t>
+              <a:t>: Slides updated</a:t>
             </a:r>
           </a:p>
           <a:p>
@@ -10868,6 +11554,66 @@
           <a:chExt cx="0" cy="0"/>
         </a:xfrm>
       </p:grpSpPr>
+      <p:pic>
+        <p:nvPicPr>
+          <p:cNvPr id="7" name="Picture 6">
+            <a:extLst>
+              <a:ext uri="{FF2B5EF4-FFF2-40B4-BE49-F238E27FC236}">
+                <a16:creationId xmlns:a16="http://schemas.microsoft.com/office/drawing/2014/main" id="{6C5A73D6-3249-4B69-9A8D-C2C2FFFA87FB}"/>
+              </a:ext>
+            </a:extLst>
+          </p:cNvPr>
+          <p:cNvPicPr>
+            <a:picLocks noChangeAspect="1"/>
+          </p:cNvPicPr>
+          <p:nvPr/>
+        </p:nvPicPr>
+        <p:blipFill>
+          <a:blip r:embed="rId2"/>
+          <a:stretch>
+            <a:fillRect/>
+          </a:stretch>
+        </p:blipFill>
+        <p:spPr>
+          <a:xfrm>
+            <a:off x="6489111" y="1419971"/>
+            <a:ext cx="5466163" cy="1981338"/>
+          </a:xfrm>
+          <a:prstGeom prst="rect">
+            <a:avLst/>
+          </a:prstGeom>
+        </p:spPr>
+      </p:pic>
+      <p:pic>
+        <p:nvPicPr>
+          <p:cNvPr id="2" name="Picture 1">
+            <a:extLst>
+              <a:ext uri="{FF2B5EF4-FFF2-40B4-BE49-F238E27FC236}">
+                <a16:creationId xmlns:a16="http://schemas.microsoft.com/office/drawing/2014/main" id="{E6B10978-36E6-495D-A2B8-A17E136B9CF7}"/>
+              </a:ext>
+            </a:extLst>
+          </p:cNvPr>
+          <p:cNvPicPr>
+            <a:picLocks noChangeAspect="1"/>
+          </p:cNvPicPr>
+          <p:nvPr/>
+        </p:nvPicPr>
+        <p:blipFill>
+          <a:blip r:embed="rId3"/>
+          <a:stretch>
+            <a:fillRect/>
+          </a:stretch>
+        </p:blipFill>
+        <p:spPr>
+          <a:xfrm>
+            <a:off x="689373" y="1419984"/>
+            <a:ext cx="5466163" cy="1978468"/>
+          </a:xfrm>
+          <a:prstGeom prst="rect">
+            <a:avLst/>
+          </a:prstGeom>
+        </p:spPr>
+      </p:pic>
       <p:sp>
         <p:nvSpPr>
           <p:cNvPr id="5" name="Title 4">
@@ -10901,7 +11647,7 @@
                   <a:srgbClr val="214221"/>
                 </a:solidFill>
               </a:rPr>
-              <a:t>Domain Model and Sequence Diagrams</a:t>
+              <a:t>Important Sequence Diagrams: Exit Game</a:t>
             </a:r>
           </a:p>
         </p:txBody>
@@ -10920,8 +11666,8 @@
         </p:nvSpPr>
         <p:spPr>
           <a:xfrm>
-            <a:off x="1420656" y="1287227"/>
-            <a:ext cx="10195756" cy="461665"/>
+            <a:off x="691358" y="1081554"/>
+            <a:ext cx="11263917" cy="338554"/>
           </a:xfrm>
           <a:prstGeom prst="rect">
             <a:avLst/>
@@ -10934,26 +11680,24 @@
           </a:bodyPr>
           <a:lstStyle/>
           <a:p>
-            <a:pPr marL="342900" indent="-342900">
+            <a:pPr>
               <a:spcAft>
                 <a:spcPts val="800"/>
               </a:spcAft>
-              <a:buFont typeface="Courier New" panose="02070309020205020404" pitchFamily="49" charset="0"/>
-              <a:buChar char="o"/>
             </a:pPr>
             <a:r>
-              <a:rPr lang="en-US" sz="2400" dirty="0"/>
-              <a:t>x</a:t>
-            </a:r>
-          </a:p>
-        </p:txBody>
-      </p:sp>
-      <p:sp>
-        <p:nvSpPr>
-          <p:cNvPr id="4" name="TextBox 3">
-            <a:extLst>
-              <a:ext uri="{FF2B5EF4-FFF2-40B4-BE49-F238E27FC236}">
-                <a16:creationId xmlns:a16="http://schemas.microsoft.com/office/drawing/2014/main" id="{8C52B336-EF99-41EF-806D-B2AC51C7638F}"/>
+              <a:rPr lang="en-US" sz="1600" b="1" dirty="0"/>
+              <a:t>Analysis Sequence Diagram:                                                                          Design Sequence Diagram:</a:t>
+            </a:r>
+          </a:p>
+        </p:txBody>
+      </p:sp>
+      <p:sp>
+        <p:nvSpPr>
+          <p:cNvPr id="37" name="TextBox 36">
+            <a:extLst>
+              <a:ext uri="{FF2B5EF4-FFF2-40B4-BE49-F238E27FC236}">
+                <a16:creationId xmlns:a16="http://schemas.microsoft.com/office/drawing/2014/main" id="{809B5F61-7B73-41EF-8781-FF3A69E4EEF9}"/>
               </a:ext>
             </a:extLst>
           </p:cNvPr>
@@ -10962,8 +11706,162 @@
         </p:nvSpPr>
         <p:spPr>
           <a:xfrm>
-            <a:off x="9823509" y="892667"/>
-            <a:ext cx="2298584" cy="923330"/>
+            <a:off x="691357" y="3459548"/>
+            <a:ext cx="11263917" cy="3370153"/>
+          </a:xfrm>
+          <a:prstGeom prst="rect">
+            <a:avLst/>
+          </a:prstGeom>
+          <a:noFill/>
+        </p:spPr>
+        <p:txBody>
+          <a:bodyPr wrap="square" rtlCol="0">
+            <a:spAutoFit/>
+          </a:bodyPr>
+          <a:lstStyle/>
+          <a:p>
+            <a:pPr>
+              <a:spcAft>
+                <a:spcPts val="600"/>
+              </a:spcAft>
+            </a:pPr>
+            <a:r>
+              <a:rPr lang="en-US" sz="1600" b="1" dirty="0"/>
+              <a:t>Sequence Step Description:</a:t>
+            </a:r>
+          </a:p>
+          <a:p>
+            <a:r>
+              <a:rPr lang="en-US" sz="1600" b="1" dirty="0"/>
+              <a:t>Title: </a:t>
+            </a:r>
+            <a:r>
+              <a:rPr lang="en-US" sz="1600" dirty="0"/>
+              <a:t>Exit Game</a:t>
+            </a:r>
+          </a:p>
+          <a:p>
+            <a:r>
+              <a:rPr lang="en-US" sz="1600" b="1" dirty="0"/>
+              <a:t>Actor(s): </a:t>
+            </a:r>
+            <a:r>
+              <a:rPr lang="en-US" sz="1600" dirty="0"/>
+              <a:t>User</a:t>
+            </a:r>
+          </a:p>
+          <a:p>
+            <a:r>
+              <a:rPr lang="en-US" sz="1600" b="1" dirty="0"/>
+              <a:t>Precondition: </a:t>
+            </a:r>
+            <a:r>
+              <a:rPr lang="en-US" sz="1600" dirty="0"/>
+              <a:t>User has selected “yes” at prompt to exit game</a:t>
+            </a:r>
+          </a:p>
+          <a:p>
+            <a:r>
+              <a:rPr lang="en-US" sz="1600" b="1" dirty="0"/>
+              <a:t>Outcome: </a:t>
+            </a:r>
+            <a:r>
+              <a:rPr lang="en-US" sz="1600" dirty="0"/>
+              <a:t>The current game session is ended and the title screen is shown</a:t>
+            </a:r>
+          </a:p>
+          <a:p>
+            <a:r>
+              <a:rPr lang="en-US" sz="1600" b="1" dirty="0"/>
+              <a:t>	User Actions						System Actions</a:t>
+            </a:r>
+          </a:p>
+          <a:p>
+            <a:r>
+              <a:rPr lang="en-US" sz="1600" b="1" dirty="0"/>
+              <a:t>	3.</a:t>
+            </a:r>
+            <a:r>
+              <a:rPr lang="en-US" sz="1600" dirty="0"/>
+              <a:t> User clicks UI “yes” button			</a:t>
+            </a:r>
+            <a:r>
+              <a:rPr lang="en-US" sz="1600" b="1" dirty="0"/>
+              <a:t>4.1.</a:t>
+            </a:r>
+            <a:r>
+              <a:rPr lang="en-US" sz="1600" dirty="0"/>
+              <a:t> Game UI generates an exit message and sends it to the 							        message controller</a:t>
+            </a:r>
+          </a:p>
+          <a:p>
+            <a:r>
+              <a:rPr lang="en-US" sz="1600" dirty="0"/>
+              <a:t>						</a:t>
+            </a:r>
+            <a:r>
+              <a:rPr lang="en-US" sz="1600" b="1" dirty="0"/>
+              <a:t>4.2</a:t>
+            </a:r>
+            <a:r>
+              <a:rPr lang="en-US" sz="1600" dirty="0"/>
+              <a:t> Message controller sends the exit game call to the game 							       controller</a:t>
+            </a:r>
+          </a:p>
+          <a:p>
+            <a:r>
+              <a:rPr lang="en-US" sz="1600" dirty="0"/>
+              <a:t>						</a:t>
+            </a:r>
+            <a:r>
+              <a:rPr lang="en-US" sz="1600" b="1" dirty="0"/>
+              <a:t>4.3</a:t>
+            </a:r>
+            <a:r>
+              <a:rPr lang="en-US" sz="1600" dirty="0"/>
+              <a:t> The game controller ends the current game</a:t>
+            </a:r>
+          </a:p>
+          <a:p>
+            <a:r>
+              <a:rPr lang="en-US" sz="1600" dirty="0"/>
+              <a:t>						</a:t>
+            </a:r>
+            <a:r>
+              <a:rPr lang="en-US" sz="1600" b="1" dirty="0"/>
+              <a:t>5/6</a:t>
+            </a:r>
+            <a:r>
+              <a:rPr lang="en-US" sz="1600" dirty="0"/>
+              <a:t> The user interface displays the initial title screen</a:t>
+            </a:r>
+          </a:p>
+          <a:p>
+            <a:pPr>
+              <a:spcAft>
+                <a:spcPts val="800"/>
+              </a:spcAft>
+            </a:pPr>
+            <a:endParaRPr lang="en-US" sz="1600" b="1" dirty="0"/>
+          </a:p>
+        </p:txBody>
+      </p:sp>
+      <p:sp>
+        <p:nvSpPr>
+          <p:cNvPr id="13" name="TextBox 12">
+            <a:extLst>
+              <a:ext uri="{FF2B5EF4-FFF2-40B4-BE49-F238E27FC236}">
+                <a16:creationId xmlns:a16="http://schemas.microsoft.com/office/drawing/2014/main" id="{901DA647-8125-4B6A-B622-387E83767C5E}"/>
+              </a:ext>
+            </a:extLst>
+          </p:cNvPr>
+          <p:cNvSpPr txBox="1"/>
+          <p:nvPr/>
+        </p:nvSpPr>
+        <p:spPr>
+          <a:xfrm>
+            <a:off x="9222191" y="3737184"/>
+            <a:ext cx="2910981" cy="646331"/>
           </a:xfrm>
           <a:prstGeom prst="rect">
             <a:avLst/>
@@ -10984,13 +11882,13 @@
             </a:r>
             <a:r>
               <a:rPr lang="en-US" dirty="0"/>
-              <a:t>: Need to update slide.</a:t>
+              <a:t>: Slides updated</a:t>
             </a:r>
           </a:p>
           <a:p>
             <a:r>
               <a:rPr lang="en-US" dirty="0"/>
-              <a:t>(1-3 slides)</a:t>
+              <a:t>(2-4 slides)</a:t>
             </a:r>
           </a:p>
         </p:txBody>
@@ -10998,7 +11896,7 @@
     </p:spTree>
     <p:extLst>
       <p:ext uri="{BB962C8B-B14F-4D97-AF65-F5344CB8AC3E}">
-        <p14:creationId xmlns:p14="http://schemas.microsoft.com/office/powerpoint/2010/main" val="3918403429"/>
+        <p14:creationId xmlns:p14="http://schemas.microsoft.com/office/powerpoint/2010/main" val="738387043"/>
       </p:ext>
     </p:extLst>
   </p:cSld>
@@ -11025,6 +11923,66 @@
           <a:chExt cx="0" cy="0"/>
         </a:xfrm>
       </p:grpSpPr>
+      <p:pic>
+        <p:nvPicPr>
+          <p:cNvPr id="6" name="Picture 5">
+            <a:extLst>
+              <a:ext uri="{FF2B5EF4-FFF2-40B4-BE49-F238E27FC236}">
+                <a16:creationId xmlns:a16="http://schemas.microsoft.com/office/drawing/2014/main" id="{1007DC97-441E-4740-A391-02A8C2EE4F2A}"/>
+              </a:ext>
+            </a:extLst>
+          </p:cNvPr>
+          <p:cNvPicPr>
+            <a:picLocks noChangeAspect="1"/>
+          </p:cNvPicPr>
+          <p:nvPr/>
+        </p:nvPicPr>
+        <p:blipFill>
+          <a:blip r:embed="rId2"/>
+          <a:stretch>
+            <a:fillRect/>
+          </a:stretch>
+        </p:blipFill>
+        <p:spPr>
+          <a:xfrm>
+            <a:off x="6489109" y="1418700"/>
+            <a:ext cx="5466164" cy="1981338"/>
+          </a:xfrm>
+          <a:prstGeom prst="rect">
+            <a:avLst/>
+          </a:prstGeom>
+        </p:spPr>
+      </p:pic>
+      <p:pic>
+        <p:nvPicPr>
+          <p:cNvPr id="3" name="Picture 2">
+            <a:extLst>
+              <a:ext uri="{FF2B5EF4-FFF2-40B4-BE49-F238E27FC236}">
+                <a16:creationId xmlns:a16="http://schemas.microsoft.com/office/drawing/2014/main" id="{D5330363-964C-4EDE-A280-4C9480448ED4}"/>
+              </a:ext>
+            </a:extLst>
+          </p:cNvPr>
+          <p:cNvPicPr>
+            <a:picLocks noChangeAspect="1"/>
+          </p:cNvPicPr>
+          <p:nvPr/>
+        </p:nvPicPr>
+        <p:blipFill>
+          <a:blip r:embed="rId3"/>
+          <a:stretch>
+            <a:fillRect/>
+          </a:stretch>
+        </p:blipFill>
+        <p:spPr>
+          <a:xfrm>
+            <a:off x="692875" y="1418701"/>
+            <a:ext cx="5466163" cy="1974988"/>
+          </a:xfrm>
+          <a:prstGeom prst="rect">
+            <a:avLst/>
+          </a:prstGeom>
+        </p:spPr>
+      </p:pic>
       <p:sp>
         <p:nvSpPr>
           <p:cNvPr id="5" name="Title 4">
@@ -11058,7 +12016,7 @@
                   <a:srgbClr val="214221"/>
                 </a:solidFill>
               </a:rPr>
-              <a:t>Architecture Design and Design Patterns Used</a:t>
+              <a:t>Important Sequence Diagrams: Save Game</a:t>
             </a:r>
           </a:p>
         </p:txBody>
@@ -11077,8 +12035,8 @@
         </p:nvSpPr>
         <p:spPr>
           <a:xfrm>
-            <a:off x="1420656" y="1287227"/>
-            <a:ext cx="10195756" cy="461665"/>
+            <a:off x="691358" y="1081554"/>
+            <a:ext cx="11263917" cy="338554"/>
           </a:xfrm>
           <a:prstGeom prst="rect">
             <a:avLst/>
@@ -11091,16 +12049,14 @@
           </a:bodyPr>
           <a:lstStyle/>
           <a:p>
-            <a:pPr marL="342900" indent="-342900">
+            <a:pPr>
               <a:spcAft>
                 <a:spcPts val="800"/>
               </a:spcAft>
-              <a:buFont typeface="Courier New" panose="02070309020205020404" pitchFamily="49" charset="0"/>
-              <a:buChar char="o"/>
             </a:pPr>
             <a:r>
-              <a:rPr lang="en-US" sz="2400" dirty="0"/>
-              <a:t>x</a:t>
+              <a:rPr lang="en-US" sz="1600" b="1" dirty="0"/>
+              <a:t>Analysis Sequence Diagram:                                                                          Design Sequence Diagram:</a:t>
             </a:r>
           </a:p>
         </p:txBody>
@@ -11119,8 +12075,8 @@
         </p:nvSpPr>
         <p:spPr>
           <a:xfrm>
-            <a:off x="9823509" y="892667"/>
-            <a:ext cx="2298584" cy="923330"/>
+            <a:off x="9222191" y="3737184"/>
+            <a:ext cx="2910981" cy="646331"/>
           </a:xfrm>
           <a:prstGeom prst="rect">
             <a:avLst/>
@@ -11141,21 +12097,175 @@
             </a:r>
             <a:r>
               <a:rPr lang="en-US" dirty="0"/>
-              <a:t>: Need to update slide.</a:t>
+              <a:t>: Slides updated</a:t>
             </a:r>
           </a:p>
           <a:p>
             <a:r>
               <a:rPr lang="en-US" dirty="0"/>
-              <a:t>(2-3 slides)</a:t>
-            </a:r>
+              <a:t>(2-4 slides)</a:t>
+            </a:r>
+          </a:p>
+        </p:txBody>
+      </p:sp>
+      <p:sp>
+        <p:nvSpPr>
+          <p:cNvPr id="37" name="TextBox 36">
+            <a:extLst>
+              <a:ext uri="{FF2B5EF4-FFF2-40B4-BE49-F238E27FC236}">
+                <a16:creationId xmlns:a16="http://schemas.microsoft.com/office/drawing/2014/main" id="{809B5F61-7B73-41EF-8781-FF3A69E4EEF9}"/>
+              </a:ext>
+            </a:extLst>
+          </p:cNvPr>
+          <p:cNvSpPr txBox="1"/>
+          <p:nvPr/>
+        </p:nvSpPr>
+        <p:spPr>
+          <a:xfrm>
+            <a:off x="691357" y="3459548"/>
+            <a:ext cx="11263917" cy="3370153"/>
+          </a:xfrm>
+          <a:prstGeom prst="rect">
+            <a:avLst/>
+          </a:prstGeom>
+          <a:noFill/>
+        </p:spPr>
+        <p:txBody>
+          <a:bodyPr wrap="square" rtlCol="0">
+            <a:spAutoFit/>
+          </a:bodyPr>
+          <a:lstStyle/>
+          <a:p>
+            <a:pPr>
+              <a:spcAft>
+                <a:spcPts val="600"/>
+              </a:spcAft>
+            </a:pPr>
+            <a:r>
+              <a:rPr lang="en-US" sz="1600" b="1" dirty="0"/>
+              <a:t>Sequence Step Description:</a:t>
+            </a:r>
+          </a:p>
+          <a:p>
+            <a:r>
+              <a:rPr lang="en-US" sz="1600" b="1" dirty="0"/>
+              <a:t>Title: </a:t>
+            </a:r>
+            <a:r>
+              <a:rPr lang="en-US" sz="1600" dirty="0"/>
+              <a:t>Save Game</a:t>
+            </a:r>
+          </a:p>
+          <a:p>
+            <a:r>
+              <a:rPr lang="en-US" sz="1600" b="1" dirty="0"/>
+              <a:t>Actor(s): </a:t>
+            </a:r>
+            <a:r>
+              <a:rPr lang="en-US" sz="1600" dirty="0"/>
+              <a:t>User</a:t>
+            </a:r>
+          </a:p>
+          <a:p>
+            <a:r>
+              <a:rPr lang="en-US" sz="1600" b="1" dirty="0"/>
+              <a:t>Precondition: </a:t>
+            </a:r>
+            <a:r>
+              <a:rPr lang="en-US" sz="1600" dirty="0"/>
+              <a:t>User has selected “yes” at prompt to save game</a:t>
+            </a:r>
+          </a:p>
+          <a:p>
+            <a:r>
+              <a:rPr lang="en-US" sz="1600" b="1" dirty="0"/>
+              <a:t>Outcome: </a:t>
+            </a:r>
+            <a:r>
+              <a:rPr lang="en-US" sz="1600" dirty="0"/>
+              <a:t>The current game session state is saved and the game session is resumed</a:t>
+            </a:r>
+          </a:p>
+          <a:p>
+            <a:r>
+              <a:rPr lang="en-US" sz="1600" b="1" dirty="0"/>
+              <a:t>	User Actions						System Actions</a:t>
+            </a:r>
+          </a:p>
+          <a:p>
+            <a:r>
+              <a:rPr lang="en-US" sz="1600" b="1" dirty="0"/>
+              <a:t>	3.</a:t>
+            </a:r>
+            <a:r>
+              <a:rPr lang="en-US" sz="1600" dirty="0"/>
+              <a:t> User clicks UI “yes” button			</a:t>
+            </a:r>
+            <a:r>
+              <a:rPr lang="en-US" sz="1600" b="1" dirty="0"/>
+              <a:t>4.1.</a:t>
+            </a:r>
+            <a:r>
+              <a:rPr lang="en-US" sz="1600" dirty="0"/>
+              <a:t> Game UI generates a save game message and sends it to the 							        message controller</a:t>
+            </a:r>
+          </a:p>
+          <a:p>
+            <a:r>
+              <a:rPr lang="en-US" sz="1600" dirty="0"/>
+              <a:t>						</a:t>
+            </a:r>
+            <a:r>
+              <a:rPr lang="en-US" sz="1600" b="1" dirty="0"/>
+              <a:t>4.2</a:t>
+            </a:r>
+            <a:r>
+              <a:rPr lang="en-US" sz="1600" dirty="0"/>
+              <a:t> Message controller sends the save game call to the game 							       controller</a:t>
+            </a:r>
+          </a:p>
+          <a:p>
+            <a:r>
+              <a:rPr lang="en-US" sz="1600" dirty="0"/>
+              <a:t>						</a:t>
+            </a:r>
+            <a:r>
+              <a:rPr lang="en-US" sz="1600" b="1" dirty="0"/>
+              <a:t>4.3</a:t>
+            </a:r>
+            <a:r>
+              <a:rPr lang="en-US" sz="1600" dirty="0"/>
+              <a:t> The game controller saves the current game</a:t>
+            </a:r>
+          </a:p>
+          <a:p>
+            <a:r>
+              <a:rPr lang="en-US" sz="1600" dirty="0"/>
+              <a:t>						</a:t>
+            </a:r>
+            <a:r>
+              <a:rPr lang="en-US" sz="1600" b="1" dirty="0"/>
+              <a:t>5/6</a:t>
+            </a:r>
+            <a:r>
+              <a:rPr lang="en-US" sz="1600" dirty="0"/>
+              <a:t> The user interface return to the game view </a:t>
+            </a:r>
+          </a:p>
+          <a:p>
+            <a:pPr>
+              <a:spcAft>
+                <a:spcPts val="800"/>
+              </a:spcAft>
+            </a:pPr>
+            <a:endParaRPr lang="en-US" sz="1600" b="1" dirty="0"/>
           </a:p>
         </p:txBody>
       </p:sp>
     </p:spTree>
     <p:extLst>
       <p:ext uri="{BB962C8B-B14F-4D97-AF65-F5344CB8AC3E}">
-        <p14:creationId xmlns:p14="http://schemas.microsoft.com/office/powerpoint/2010/main" val="3653472643"/>
+        <p14:creationId xmlns:p14="http://schemas.microsoft.com/office/powerpoint/2010/main" val="831770069"/>
       </p:ext>
     </p:extLst>
   </p:cSld>
@@ -11182,6 +12292,66 @@
           <a:chExt cx="0" cy="0"/>
         </a:xfrm>
       </p:grpSpPr>
+      <p:pic>
+        <p:nvPicPr>
+          <p:cNvPr id="7" name="Picture 6">
+            <a:extLst>
+              <a:ext uri="{FF2B5EF4-FFF2-40B4-BE49-F238E27FC236}">
+                <a16:creationId xmlns:a16="http://schemas.microsoft.com/office/drawing/2014/main" id="{E25CFC71-E87F-41F3-ABC8-AD2860EFDC82}"/>
+              </a:ext>
+            </a:extLst>
+          </p:cNvPr>
+          <p:cNvPicPr>
+            <a:picLocks noChangeAspect="1"/>
+          </p:cNvPicPr>
+          <p:nvPr/>
+        </p:nvPicPr>
+        <p:blipFill>
+          <a:blip r:embed="rId2"/>
+          <a:stretch>
+            <a:fillRect/>
+          </a:stretch>
+        </p:blipFill>
+        <p:spPr>
+          <a:xfrm>
+            <a:off x="6489107" y="1418701"/>
+            <a:ext cx="5466164" cy="1974988"/>
+          </a:xfrm>
+          <a:prstGeom prst="rect">
+            <a:avLst/>
+          </a:prstGeom>
+        </p:spPr>
+      </p:pic>
+      <p:pic>
+        <p:nvPicPr>
+          <p:cNvPr id="2" name="Picture 1">
+            <a:extLst>
+              <a:ext uri="{FF2B5EF4-FFF2-40B4-BE49-F238E27FC236}">
+                <a16:creationId xmlns:a16="http://schemas.microsoft.com/office/drawing/2014/main" id="{6573ED57-EBBF-4607-9593-65C47A375661}"/>
+              </a:ext>
+            </a:extLst>
+          </p:cNvPr>
+          <p:cNvPicPr>
+            <a:picLocks noChangeAspect="1"/>
+          </p:cNvPicPr>
+          <p:nvPr/>
+        </p:nvPicPr>
+        <p:blipFill>
+          <a:blip r:embed="rId3"/>
+          <a:stretch>
+            <a:fillRect/>
+          </a:stretch>
+        </p:blipFill>
+        <p:spPr>
+          <a:xfrm>
+            <a:off x="693035" y="1418701"/>
+            <a:ext cx="5466164" cy="1974988"/>
+          </a:xfrm>
+          <a:prstGeom prst="rect">
+            <a:avLst/>
+          </a:prstGeom>
+        </p:spPr>
+      </p:pic>
       <p:sp>
         <p:nvSpPr>
           <p:cNvPr id="5" name="Title 4">
@@ -11215,7 +12385,7 @@
                   <a:srgbClr val="214221"/>
                 </a:solidFill>
               </a:rPr>
-              <a:t>Configuration Plans</a:t>
+              <a:t>Important Sequence Diagrams: Load Game</a:t>
             </a:r>
           </a:p>
         </p:txBody>
@@ -11234,8 +12404,8 @@
         </p:nvSpPr>
         <p:spPr>
           <a:xfrm>
-            <a:off x="1420656" y="1287227"/>
-            <a:ext cx="10195756" cy="461665"/>
+            <a:off x="691358" y="1081554"/>
+            <a:ext cx="11263917" cy="338554"/>
           </a:xfrm>
           <a:prstGeom prst="rect">
             <a:avLst/>
@@ -11248,16 +12418,14 @@
           </a:bodyPr>
           <a:lstStyle/>
           <a:p>
-            <a:pPr marL="342900" indent="-342900">
+            <a:pPr>
               <a:spcAft>
                 <a:spcPts val="800"/>
               </a:spcAft>
-              <a:buFont typeface="Courier New" panose="02070309020205020404" pitchFamily="49" charset="0"/>
-              <a:buChar char="o"/>
             </a:pPr>
             <a:r>
-              <a:rPr lang="en-US" sz="2400" dirty="0"/>
-              <a:t>x</a:t>
+              <a:rPr lang="en-US" sz="1600" b="1" dirty="0"/>
+              <a:t>Analysis Sequence Diagram:                                                                          Design Sequence Diagram:</a:t>
             </a:r>
           </a:p>
         </p:txBody>
@@ -11276,8 +12444,8 @@
         </p:nvSpPr>
         <p:spPr>
           <a:xfrm>
-            <a:off x="9823509" y="892667"/>
-            <a:ext cx="2298584" cy="923330"/>
+            <a:off x="9222191" y="3737184"/>
+            <a:ext cx="2910981" cy="646331"/>
           </a:xfrm>
           <a:prstGeom prst="rect">
             <a:avLst/>
@@ -11298,21 +12466,175 @@
             </a:r>
             <a:r>
               <a:rPr lang="en-US" dirty="0"/>
-              <a:t>: Need to update slide.</a:t>
+              <a:t>: Slides updated</a:t>
             </a:r>
           </a:p>
           <a:p>
             <a:r>
               <a:rPr lang="en-US" dirty="0"/>
-              <a:t>(1-2 slides)</a:t>
-            </a:r>
+              <a:t>(2-4 slides)</a:t>
+            </a:r>
+          </a:p>
+        </p:txBody>
+      </p:sp>
+      <p:sp>
+        <p:nvSpPr>
+          <p:cNvPr id="37" name="TextBox 36">
+            <a:extLst>
+              <a:ext uri="{FF2B5EF4-FFF2-40B4-BE49-F238E27FC236}">
+                <a16:creationId xmlns:a16="http://schemas.microsoft.com/office/drawing/2014/main" id="{809B5F61-7B73-41EF-8781-FF3A69E4EEF9}"/>
+              </a:ext>
+            </a:extLst>
+          </p:cNvPr>
+          <p:cNvSpPr txBox="1"/>
+          <p:nvPr/>
+        </p:nvSpPr>
+        <p:spPr>
+          <a:xfrm>
+            <a:off x="691357" y="3459548"/>
+            <a:ext cx="11263917" cy="3370153"/>
+          </a:xfrm>
+          <a:prstGeom prst="rect">
+            <a:avLst/>
+          </a:prstGeom>
+          <a:noFill/>
+        </p:spPr>
+        <p:txBody>
+          <a:bodyPr wrap="square" rtlCol="0">
+            <a:spAutoFit/>
+          </a:bodyPr>
+          <a:lstStyle/>
+          <a:p>
+            <a:pPr>
+              <a:spcAft>
+                <a:spcPts val="600"/>
+              </a:spcAft>
+            </a:pPr>
+            <a:r>
+              <a:rPr lang="en-US" sz="1600" b="1" dirty="0"/>
+              <a:t>Sequence Step Description:</a:t>
+            </a:r>
+          </a:p>
+          <a:p>
+            <a:r>
+              <a:rPr lang="en-US" sz="1600" b="1" dirty="0"/>
+              <a:t>Title: </a:t>
+            </a:r>
+            <a:r>
+              <a:rPr lang="en-US" sz="1600" dirty="0"/>
+              <a:t>Load Game</a:t>
+            </a:r>
+          </a:p>
+          <a:p>
+            <a:r>
+              <a:rPr lang="en-US" sz="1600" b="1" dirty="0"/>
+              <a:t>Actor(s): </a:t>
+            </a:r>
+            <a:r>
+              <a:rPr lang="en-US" sz="1600" dirty="0"/>
+              <a:t>User</a:t>
+            </a:r>
+          </a:p>
+          <a:p>
+            <a:r>
+              <a:rPr lang="en-US" sz="1600" b="1" dirty="0"/>
+              <a:t>Precondition: </a:t>
+            </a:r>
+            <a:r>
+              <a:rPr lang="en-US" sz="1600" dirty="0"/>
+              <a:t>User has selected “yes” at prompt to load game</a:t>
+            </a:r>
+          </a:p>
+          <a:p>
+            <a:r>
+              <a:rPr lang="en-US" sz="1600" b="1" dirty="0"/>
+              <a:t>Outcome: </a:t>
+            </a:r>
+            <a:r>
+              <a:rPr lang="en-US" sz="1600" dirty="0"/>
+              <a:t>The current game session state is saved and the game session is resumed</a:t>
+            </a:r>
+          </a:p>
+          <a:p>
+            <a:r>
+              <a:rPr lang="en-US" sz="1600" b="1" dirty="0"/>
+              <a:t>	User Actions						System Actions</a:t>
+            </a:r>
+          </a:p>
+          <a:p>
+            <a:r>
+              <a:rPr lang="en-US" sz="1600" b="1" dirty="0"/>
+              <a:t>	3.</a:t>
+            </a:r>
+            <a:r>
+              <a:rPr lang="en-US" sz="1600" dirty="0"/>
+              <a:t> User clicks UI “yes” button			</a:t>
+            </a:r>
+            <a:r>
+              <a:rPr lang="en-US" sz="1600" b="1" dirty="0"/>
+              <a:t>4.1.</a:t>
+            </a:r>
+            <a:r>
+              <a:rPr lang="en-US" sz="1600" dirty="0"/>
+              <a:t> Game UI generates a load game message and sends it to the 							        message controller</a:t>
+            </a:r>
+          </a:p>
+          <a:p>
+            <a:r>
+              <a:rPr lang="en-US" sz="1600" dirty="0"/>
+              <a:t>						</a:t>
+            </a:r>
+            <a:r>
+              <a:rPr lang="en-US" sz="1600" b="1" dirty="0"/>
+              <a:t>4.2</a:t>
+            </a:r>
+            <a:r>
+              <a:rPr lang="en-US" sz="1600" dirty="0"/>
+              <a:t> Message controller sends the load game call to the game 							       controller</a:t>
+            </a:r>
+          </a:p>
+          <a:p>
+            <a:r>
+              <a:rPr lang="en-US" sz="1600" dirty="0"/>
+              <a:t>						</a:t>
+            </a:r>
+            <a:r>
+              <a:rPr lang="en-US" sz="1600" b="1" dirty="0"/>
+              <a:t>4.3</a:t>
+            </a:r>
+            <a:r>
+              <a:rPr lang="en-US" sz="1600" dirty="0"/>
+              <a:t> The game controller loads the game data previously saved</a:t>
+            </a:r>
+          </a:p>
+          <a:p>
+            <a:r>
+              <a:rPr lang="en-US" sz="1600" dirty="0"/>
+              <a:t>						</a:t>
+            </a:r>
+            <a:r>
+              <a:rPr lang="en-US" sz="1600" b="1" dirty="0"/>
+              <a:t>5/6</a:t>
+            </a:r>
+            <a:r>
+              <a:rPr lang="en-US" sz="1600" dirty="0"/>
+              <a:t> The user interface return to the game view</a:t>
+            </a:r>
+          </a:p>
+          <a:p>
+            <a:pPr>
+              <a:spcAft>
+                <a:spcPts val="800"/>
+              </a:spcAft>
+            </a:pPr>
+            <a:endParaRPr lang="en-US" sz="1600" b="1" dirty="0"/>
           </a:p>
         </p:txBody>
       </p:sp>
     </p:spTree>
     <p:extLst>
       <p:ext uri="{BB962C8B-B14F-4D97-AF65-F5344CB8AC3E}">
-        <p14:creationId xmlns:p14="http://schemas.microsoft.com/office/powerpoint/2010/main" val="2242087476"/>
+        <p14:creationId xmlns:p14="http://schemas.microsoft.com/office/powerpoint/2010/main" val="3803087273"/>
       </p:ext>
     </p:extLst>
   </p:cSld>
@@ -12208,15 +13530,6 @@
 </file>
 
 <file path=customXml/item1.xml><?xml version="1.0" encoding="utf-8"?>
-<?mso-contentType ?>
-<FormTemplates xmlns="http://schemas.microsoft.com/sharepoint/v3/contenttype/forms">
-  <Display>DocumentLibraryForm</Display>
-  <Edit>DocumentLibraryForm</Edit>
-  <New>DocumentLibraryForm</New>
-</FormTemplates>
-</file>
-
-<file path=customXml/item2.xml><?xml version="1.0" encoding="utf-8"?>
 <ct:contentTypeSchema xmlns:ct="http://schemas.microsoft.com/office/2006/metadata/contentType" xmlns:ma="http://schemas.microsoft.com/office/2006/metadata/properties/metaAttributes" ct:_="" ma:_="" ma:contentTypeName="Document" ma:contentTypeID="0x01010079F111ED35F8CC479449609E8A0923A6" ma:contentTypeVersion="11" ma:contentTypeDescription="Create a new document." ma:contentTypeScope="" ma:versionID="96291512c1ee715ab617f4c07df79fc1">
   <xsd:schema xmlns:xsd="http://www.w3.org/2001/XMLSchema" xmlns:xs="http://www.w3.org/2001/XMLSchema" xmlns:p="http://schemas.microsoft.com/office/2006/metadata/properties" xmlns:ns2="71af3243-3dd4-4a8d-8c0d-dd76da1f02a5" xmlns:ns3="16c05727-aa75-4e4a-9b5f-8a80a1165891" targetNamespace="http://schemas.microsoft.com/office/2006/metadata/properties" ma:root="true" ma:fieldsID="8256c27c40ca5c40ce1cf6c44f0205df" ns2:_="" ns3:_="">
     <xsd:import namespace="71af3243-3dd4-4a8d-8c0d-dd76da1f02a5"/>
@@ -12427,6 +13740,15 @@
 </ct:contentTypeSchema>
 </file>
 
+<file path=customXml/item2.xml><?xml version="1.0" encoding="utf-8"?>
+<?mso-contentType ?>
+<FormTemplates xmlns="http://schemas.microsoft.com/sharepoint/v3/contenttype/forms">
+  <Display>DocumentLibraryForm</Display>
+  <Edit>DocumentLibraryForm</Edit>
+  <New>DocumentLibraryForm</New>
+</FormTemplates>
+</file>
+
 <file path=customXml/item3.xml><?xml version="1.0" encoding="utf-8"?>
 <p:properties xmlns:p="http://schemas.microsoft.com/office/2006/metadata/properties" xmlns:xsi="http://www.w3.org/2001/XMLSchema-instance" xmlns:pc="http://schemas.microsoft.com/office/infopath/2007/PartnerControls">
   <documentManagement>
@@ -12436,14 +13758,6 @@
 </file>
 
 <file path=customXml/itemProps1.xml><?xml version="1.0" encoding="utf-8"?>
-<ds:datastoreItem xmlns:ds="http://schemas.openxmlformats.org/officeDocument/2006/customXml" ds:itemID="{6D0B596E-8E5F-4DB7-9C0B-A416410C0FAB}">
-  <ds:schemaRefs>
-    <ds:schemaRef ds:uri="http://schemas.microsoft.com/sharepoint/v3/contenttype/forms"/>
-  </ds:schemaRefs>
-</ds:datastoreItem>
-</file>
-
-<file path=customXml/itemProps2.xml><?xml version="1.0" encoding="utf-8"?>
 <ds:datastoreItem xmlns:ds="http://schemas.openxmlformats.org/officeDocument/2006/customXml" ds:itemID="{5215998C-280A-471A-8BB1-CDC2B95FC290}">
   <ds:schemaRefs>
     <ds:schemaRef ds:uri="http://schemas.microsoft.com/office/2006/metadata/contentType"/>
@@ -12458,6 +13772,14 @@
     <ds:schemaRef ds:uri="http://purl.org/dc/elements/1.1/"/>
     <ds:schemaRef ds:uri="http://purl.org/dc/terms/"/>
     <ds:schemaRef ds:uri="http://schemas.microsoft.com/internal/obd"/>
+  </ds:schemaRefs>
+</ds:datastoreItem>
+</file>
+
+<file path=customXml/itemProps2.xml><?xml version="1.0" encoding="utf-8"?>
+<ds:datastoreItem xmlns:ds="http://schemas.openxmlformats.org/officeDocument/2006/customXml" ds:itemID="{6D0B596E-8E5F-4DB7-9C0B-A416410C0FAB}">
+  <ds:schemaRefs>
+    <ds:schemaRef ds:uri="http://schemas.microsoft.com/sharepoint/v3/contenttype/forms"/>
   </ds:schemaRefs>
 </ds:datastoreItem>
 </file>
